--- a/docs/diagrams/UndoRedoActivityDiagram.pptx
+++ b/docs/diagrams/UndoRedoActivityDiagram.pptx
@@ -6,6 +6,8 @@
   </p:sldMasterIdLst>
   <p:sldIdLst>
     <p:sldId id="256" r:id="rId2"/>
+    <p:sldId id="257" r:id="rId3"/>
+    <p:sldId id="258" r:id="rId4"/>
   </p:sldIdLst>
   <p:sldSz cx="12192000" cy="6858000"/>
   <p:notesSz cx="6858000" cy="9144000"/>
@@ -138,7 +140,7 @@
           <p:cNvPr id="2" name="Title 1">
             <a:extLst>
               <a:ext uri="{FF2B5EF4-FFF2-40B4-BE49-F238E27FC236}">
-                <a16:creationId xmlns:a16="http://schemas.microsoft.com/office/drawing/2014/main" xmlns="" id="{CE1B3102-23FE-4A07-92CF-8DB8025B5C54}"/>
+                <a16:creationId xmlns:a16="http://schemas.microsoft.com/office/drawing/2014/main" id="{CE1B3102-23FE-4A07-92CF-8DB8025B5C54}"/>
               </a:ext>
             </a:extLst>
           </p:cNvPr>
@@ -176,7 +178,7 @@
           <p:cNvPr id="3" name="Subtitle 2">
             <a:extLst>
               <a:ext uri="{FF2B5EF4-FFF2-40B4-BE49-F238E27FC236}">
-                <a16:creationId xmlns:a16="http://schemas.microsoft.com/office/drawing/2014/main" xmlns="" id="{09A64644-374F-4763-B477-E75EED09E18A}"/>
+                <a16:creationId xmlns:a16="http://schemas.microsoft.com/office/drawing/2014/main" id="{09A64644-374F-4763-B477-E75EED09E18A}"/>
               </a:ext>
             </a:extLst>
           </p:cNvPr>
@@ -247,7 +249,7 @@
           <p:cNvPr id="4" name="Date Placeholder 3">
             <a:extLst>
               <a:ext uri="{FF2B5EF4-FFF2-40B4-BE49-F238E27FC236}">
-                <a16:creationId xmlns:a16="http://schemas.microsoft.com/office/drawing/2014/main" xmlns="" id="{26CAD04B-553E-4EE0-8FEC-DA9E05F22F2C}"/>
+                <a16:creationId xmlns:a16="http://schemas.microsoft.com/office/drawing/2014/main" id="{26CAD04B-553E-4EE0-8FEC-DA9E05F22F2C}"/>
               </a:ext>
             </a:extLst>
           </p:cNvPr>
@@ -265,7 +267,7 @@
           <a:p>
             <a:fld id="{542F47FF-5056-41FF-A1F8-23A414798AA4}" type="datetimeFigureOut">
               <a:rPr lang="en-SG" smtClean="0"/>
-              <a:t>30/12/2017</a:t>
+              <a:t>14/4/2018</a:t>
             </a:fld>
             <a:endParaRPr lang="en-SG"/>
           </a:p>
@@ -276,7 +278,7 @@
           <p:cNvPr id="5" name="Footer Placeholder 4">
             <a:extLst>
               <a:ext uri="{FF2B5EF4-FFF2-40B4-BE49-F238E27FC236}">
-                <a16:creationId xmlns:a16="http://schemas.microsoft.com/office/drawing/2014/main" xmlns="" id="{E6F42670-2AD7-448C-BB6C-D759C9255DEB}"/>
+                <a16:creationId xmlns:a16="http://schemas.microsoft.com/office/drawing/2014/main" id="{E6F42670-2AD7-448C-BB6C-D759C9255DEB}"/>
               </a:ext>
             </a:extLst>
           </p:cNvPr>
@@ -301,7 +303,7 @@
           <p:cNvPr id="6" name="Slide Number Placeholder 5">
             <a:extLst>
               <a:ext uri="{FF2B5EF4-FFF2-40B4-BE49-F238E27FC236}">
-                <a16:creationId xmlns:a16="http://schemas.microsoft.com/office/drawing/2014/main" xmlns="" id="{8CFAA546-9089-42A6-8CCB-5E88855E6CB1}"/>
+                <a16:creationId xmlns:a16="http://schemas.microsoft.com/office/drawing/2014/main" id="{8CFAA546-9089-42A6-8CCB-5E88855E6CB1}"/>
               </a:ext>
             </a:extLst>
           </p:cNvPr>
@@ -360,7 +362,7 @@
           <p:cNvPr id="2" name="Title 1">
             <a:extLst>
               <a:ext uri="{FF2B5EF4-FFF2-40B4-BE49-F238E27FC236}">
-                <a16:creationId xmlns:a16="http://schemas.microsoft.com/office/drawing/2014/main" xmlns="" id="{C73C8897-08BA-4903-B8F2-48E6E6713059}"/>
+                <a16:creationId xmlns:a16="http://schemas.microsoft.com/office/drawing/2014/main" id="{C73C8897-08BA-4903-B8F2-48E6E6713059}"/>
               </a:ext>
             </a:extLst>
           </p:cNvPr>
@@ -389,7 +391,7 @@
           <p:cNvPr id="3" name="Vertical Text Placeholder 2">
             <a:extLst>
               <a:ext uri="{FF2B5EF4-FFF2-40B4-BE49-F238E27FC236}">
-                <a16:creationId xmlns:a16="http://schemas.microsoft.com/office/drawing/2014/main" xmlns="" id="{F4DB86F3-F3A8-4AC4-A2D0-18858F9E9EAF}"/>
+                <a16:creationId xmlns:a16="http://schemas.microsoft.com/office/drawing/2014/main" id="{F4DB86F3-F3A8-4AC4-A2D0-18858F9E9EAF}"/>
               </a:ext>
             </a:extLst>
           </p:cNvPr>
@@ -447,7 +449,7 @@
           <p:cNvPr id="4" name="Date Placeholder 3">
             <a:extLst>
               <a:ext uri="{FF2B5EF4-FFF2-40B4-BE49-F238E27FC236}">
-                <a16:creationId xmlns:a16="http://schemas.microsoft.com/office/drawing/2014/main" xmlns="" id="{22C4FC92-3E88-48DC-9327-19CD6A48E96D}"/>
+                <a16:creationId xmlns:a16="http://schemas.microsoft.com/office/drawing/2014/main" id="{22C4FC92-3E88-48DC-9327-19CD6A48E96D}"/>
               </a:ext>
             </a:extLst>
           </p:cNvPr>
@@ -465,7 +467,7 @@
           <a:p>
             <a:fld id="{542F47FF-5056-41FF-A1F8-23A414798AA4}" type="datetimeFigureOut">
               <a:rPr lang="en-SG" smtClean="0"/>
-              <a:t>30/12/2017</a:t>
+              <a:t>14/4/2018</a:t>
             </a:fld>
             <a:endParaRPr lang="en-SG"/>
           </a:p>
@@ -476,7 +478,7 @@
           <p:cNvPr id="5" name="Footer Placeholder 4">
             <a:extLst>
               <a:ext uri="{FF2B5EF4-FFF2-40B4-BE49-F238E27FC236}">
-                <a16:creationId xmlns:a16="http://schemas.microsoft.com/office/drawing/2014/main" xmlns="" id="{AA190F3C-D185-4E17-A1B5-D7F4DF331BE0}"/>
+                <a16:creationId xmlns:a16="http://schemas.microsoft.com/office/drawing/2014/main" id="{AA190F3C-D185-4E17-A1B5-D7F4DF331BE0}"/>
               </a:ext>
             </a:extLst>
           </p:cNvPr>
@@ -501,7 +503,7 @@
           <p:cNvPr id="6" name="Slide Number Placeholder 5">
             <a:extLst>
               <a:ext uri="{FF2B5EF4-FFF2-40B4-BE49-F238E27FC236}">
-                <a16:creationId xmlns:a16="http://schemas.microsoft.com/office/drawing/2014/main" xmlns="" id="{0F2506F5-483C-4F84-8363-1D309E459ADD}"/>
+                <a16:creationId xmlns:a16="http://schemas.microsoft.com/office/drawing/2014/main" id="{0F2506F5-483C-4F84-8363-1D309E459ADD}"/>
               </a:ext>
             </a:extLst>
           </p:cNvPr>
@@ -560,7 +562,7 @@
           <p:cNvPr id="2" name="Vertical Title 1">
             <a:extLst>
               <a:ext uri="{FF2B5EF4-FFF2-40B4-BE49-F238E27FC236}">
-                <a16:creationId xmlns:a16="http://schemas.microsoft.com/office/drawing/2014/main" xmlns="" id="{967C03EB-4647-4E98-B84F-7651E807A990}"/>
+                <a16:creationId xmlns:a16="http://schemas.microsoft.com/office/drawing/2014/main" id="{967C03EB-4647-4E98-B84F-7651E807A990}"/>
               </a:ext>
             </a:extLst>
           </p:cNvPr>
@@ -594,7 +596,7 @@
           <p:cNvPr id="3" name="Vertical Text Placeholder 2">
             <a:extLst>
               <a:ext uri="{FF2B5EF4-FFF2-40B4-BE49-F238E27FC236}">
-                <a16:creationId xmlns:a16="http://schemas.microsoft.com/office/drawing/2014/main" xmlns="" id="{22B1D2A8-918A-4854-959C-EDA5D46D2D74}"/>
+                <a16:creationId xmlns:a16="http://schemas.microsoft.com/office/drawing/2014/main" id="{22B1D2A8-918A-4854-959C-EDA5D46D2D74}"/>
               </a:ext>
             </a:extLst>
           </p:cNvPr>
@@ -657,7 +659,7 @@
           <p:cNvPr id="4" name="Date Placeholder 3">
             <a:extLst>
               <a:ext uri="{FF2B5EF4-FFF2-40B4-BE49-F238E27FC236}">
-                <a16:creationId xmlns:a16="http://schemas.microsoft.com/office/drawing/2014/main" xmlns="" id="{3F77D3B6-616A-4D06-980E-5A7866F9BB49}"/>
+                <a16:creationId xmlns:a16="http://schemas.microsoft.com/office/drawing/2014/main" id="{3F77D3B6-616A-4D06-980E-5A7866F9BB49}"/>
               </a:ext>
             </a:extLst>
           </p:cNvPr>
@@ -675,7 +677,7 @@
           <a:p>
             <a:fld id="{542F47FF-5056-41FF-A1F8-23A414798AA4}" type="datetimeFigureOut">
               <a:rPr lang="en-SG" smtClean="0"/>
-              <a:t>30/12/2017</a:t>
+              <a:t>14/4/2018</a:t>
             </a:fld>
             <a:endParaRPr lang="en-SG"/>
           </a:p>
@@ -686,7 +688,7 @@
           <p:cNvPr id="5" name="Footer Placeholder 4">
             <a:extLst>
               <a:ext uri="{FF2B5EF4-FFF2-40B4-BE49-F238E27FC236}">
-                <a16:creationId xmlns:a16="http://schemas.microsoft.com/office/drawing/2014/main" xmlns="" id="{20525AA2-4FD6-4C5E-B28C-2C71AF011737}"/>
+                <a16:creationId xmlns:a16="http://schemas.microsoft.com/office/drawing/2014/main" id="{20525AA2-4FD6-4C5E-B28C-2C71AF011737}"/>
               </a:ext>
             </a:extLst>
           </p:cNvPr>
@@ -711,7 +713,7 @@
           <p:cNvPr id="6" name="Slide Number Placeholder 5">
             <a:extLst>
               <a:ext uri="{FF2B5EF4-FFF2-40B4-BE49-F238E27FC236}">
-                <a16:creationId xmlns:a16="http://schemas.microsoft.com/office/drawing/2014/main" xmlns="" id="{4E040DF9-BA3F-440A-8819-8D374D74F15E}"/>
+                <a16:creationId xmlns:a16="http://schemas.microsoft.com/office/drawing/2014/main" id="{4E040DF9-BA3F-440A-8819-8D374D74F15E}"/>
               </a:ext>
             </a:extLst>
           </p:cNvPr>
@@ -770,7 +772,7 @@
           <p:cNvPr id="2" name="Title 1">
             <a:extLst>
               <a:ext uri="{FF2B5EF4-FFF2-40B4-BE49-F238E27FC236}">
-                <a16:creationId xmlns:a16="http://schemas.microsoft.com/office/drawing/2014/main" xmlns="" id="{75C804EA-614F-485C-A53F-C32B83B67A30}"/>
+                <a16:creationId xmlns:a16="http://schemas.microsoft.com/office/drawing/2014/main" id="{75C804EA-614F-485C-A53F-C32B83B67A30}"/>
               </a:ext>
             </a:extLst>
           </p:cNvPr>
@@ -799,7 +801,7 @@
           <p:cNvPr id="3" name="Content Placeholder 2">
             <a:extLst>
               <a:ext uri="{FF2B5EF4-FFF2-40B4-BE49-F238E27FC236}">
-                <a16:creationId xmlns:a16="http://schemas.microsoft.com/office/drawing/2014/main" xmlns="" id="{912A86A6-5554-4D2F-97BB-2D649E738506}"/>
+                <a16:creationId xmlns:a16="http://schemas.microsoft.com/office/drawing/2014/main" id="{912A86A6-5554-4D2F-97BB-2D649E738506}"/>
               </a:ext>
             </a:extLst>
           </p:cNvPr>
@@ -857,7 +859,7 @@
           <p:cNvPr id="4" name="Date Placeholder 3">
             <a:extLst>
               <a:ext uri="{FF2B5EF4-FFF2-40B4-BE49-F238E27FC236}">
-                <a16:creationId xmlns:a16="http://schemas.microsoft.com/office/drawing/2014/main" xmlns="" id="{69704FB4-4D28-4A39-B81F-407E0DDD475C}"/>
+                <a16:creationId xmlns:a16="http://schemas.microsoft.com/office/drawing/2014/main" id="{69704FB4-4D28-4A39-B81F-407E0DDD475C}"/>
               </a:ext>
             </a:extLst>
           </p:cNvPr>
@@ -875,7 +877,7 @@
           <a:p>
             <a:fld id="{542F47FF-5056-41FF-A1F8-23A414798AA4}" type="datetimeFigureOut">
               <a:rPr lang="en-SG" smtClean="0"/>
-              <a:t>30/12/2017</a:t>
+              <a:t>14/4/2018</a:t>
             </a:fld>
             <a:endParaRPr lang="en-SG"/>
           </a:p>
@@ -886,7 +888,7 @@
           <p:cNvPr id="5" name="Footer Placeholder 4">
             <a:extLst>
               <a:ext uri="{FF2B5EF4-FFF2-40B4-BE49-F238E27FC236}">
-                <a16:creationId xmlns:a16="http://schemas.microsoft.com/office/drawing/2014/main" xmlns="" id="{AFDB90F4-6173-409D-8731-A4C292C33336}"/>
+                <a16:creationId xmlns:a16="http://schemas.microsoft.com/office/drawing/2014/main" id="{AFDB90F4-6173-409D-8731-A4C292C33336}"/>
               </a:ext>
             </a:extLst>
           </p:cNvPr>
@@ -911,7 +913,7 @@
           <p:cNvPr id="6" name="Slide Number Placeholder 5">
             <a:extLst>
               <a:ext uri="{FF2B5EF4-FFF2-40B4-BE49-F238E27FC236}">
-                <a16:creationId xmlns:a16="http://schemas.microsoft.com/office/drawing/2014/main" xmlns="" id="{0C00E245-E701-4B2E-925D-4322EFA20D66}"/>
+                <a16:creationId xmlns:a16="http://schemas.microsoft.com/office/drawing/2014/main" id="{0C00E245-E701-4B2E-925D-4322EFA20D66}"/>
               </a:ext>
             </a:extLst>
           </p:cNvPr>
@@ -970,7 +972,7 @@
           <p:cNvPr id="2" name="Title 1">
             <a:extLst>
               <a:ext uri="{FF2B5EF4-FFF2-40B4-BE49-F238E27FC236}">
-                <a16:creationId xmlns:a16="http://schemas.microsoft.com/office/drawing/2014/main" xmlns="" id="{2237510E-B988-4DCB-9C02-932F190AC101}"/>
+                <a16:creationId xmlns:a16="http://schemas.microsoft.com/office/drawing/2014/main" id="{2237510E-B988-4DCB-9C02-932F190AC101}"/>
               </a:ext>
             </a:extLst>
           </p:cNvPr>
@@ -1008,7 +1010,7 @@
           <p:cNvPr id="3" name="Text Placeholder 2">
             <a:extLst>
               <a:ext uri="{FF2B5EF4-FFF2-40B4-BE49-F238E27FC236}">
-                <a16:creationId xmlns:a16="http://schemas.microsoft.com/office/drawing/2014/main" xmlns="" id="{784A23DD-6E19-4939-A085-751F973752F5}"/>
+                <a16:creationId xmlns:a16="http://schemas.microsoft.com/office/drawing/2014/main" id="{784A23DD-6E19-4939-A085-751F973752F5}"/>
               </a:ext>
             </a:extLst>
           </p:cNvPr>
@@ -1133,7 +1135,7 @@
           <p:cNvPr id="4" name="Date Placeholder 3">
             <a:extLst>
               <a:ext uri="{FF2B5EF4-FFF2-40B4-BE49-F238E27FC236}">
-                <a16:creationId xmlns:a16="http://schemas.microsoft.com/office/drawing/2014/main" xmlns="" id="{CD5B15F4-A7B8-4D17-8C46-94AC6465D19A}"/>
+                <a16:creationId xmlns:a16="http://schemas.microsoft.com/office/drawing/2014/main" id="{CD5B15F4-A7B8-4D17-8C46-94AC6465D19A}"/>
               </a:ext>
             </a:extLst>
           </p:cNvPr>
@@ -1151,7 +1153,7 @@
           <a:p>
             <a:fld id="{542F47FF-5056-41FF-A1F8-23A414798AA4}" type="datetimeFigureOut">
               <a:rPr lang="en-SG" smtClean="0"/>
-              <a:t>30/12/2017</a:t>
+              <a:t>14/4/2018</a:t>
             </a:fld>
             <a:endParaRPr lang="en-SG"/>
           </a:p>
@@ -1162,7 +1164,7 @@
           <p:cNvPr id="5" name="Footer Placeholder 4">
             <a:extLst>
               <a:ext uri="{FF2B5EF4-FFF2-40B4-BE49-F238E27FC236}">
-                <a16:creationId xmlns:a16="http://schemas.microsoft.com/office/drawing/2014/main" xmlns="" id="{0CC0B098-2820-40C0-8166-283BB17CD72D}"/>
+                <a16:creationId xmlns:a16="http://schemas.microsoft.com/office/drawing/2014/main" id="{0CC0B098-2820-40C0-8166-283BB17CD72D}"/>
               </a:ext>
             </a:extLst>
           </p:cNvPr>
@@ -1187,7 +1189,7 @@
           <p:cNvPr id="6" name="Slide Number Placeholder 5">
             <a:extLst>
               <a:ext uri="{FF2B5EF4-FFF2-40B4-BE49-F238E27FC236}">
-                <a16:creationId xmlns:a16="http://schemas.microsoft.com/office/drawing/2014/main" xmlns="" id="{CA1D6085-5297-4CE0-858B-F5A8477F21A1}"/>
+                <a16:creationId xmlns:a16="http://schemas.microsoft.com/office/drawing/2014/main" id="{CA1D6085-5297-4CE0-858B-F5A8477F21A1}"/>
               </a:ext>
             </a:extLst>
           </p:cNvPr>
@@ -1246,7 +1248,7 @@
           <p:cNvPr id="2" name="Title 1">
             <a:extLst>
               <a:ext uri="{FF2B5EF4-FFF2-40B4-BE49-F238E27FC236}">
-                <a16:creationId xmlns:a16="http://schemas.microsoft.com/office/drawing/2014/main" xmlns="" id="{C8312645-9305-4015-B5DF-8CD06CE54CD2}"/>
+                <a16:creationId xmlns:a16="http://schemas.microsoft.com/office/drawing/2014/main" id="{C8312645-9305-4015-B5DF-8CD06CE54CD2}"/>
               </a:ext>
             </a:extLst>
           </p:cNvPr>
@@ -1275,7 +1277,7 @@
           <p:cNvPr id="3" name="Content Placeholder 2">
             <a:extLst>
               <a:ext uri="{FF2B5EF4-FFF2-40B4-BE49-F238E27FC236}">
-                <a16:creationId xmlns:a16="http://schemas.microsoft.com/office/drawing/2014/main" xmlns="" id="{5F718F3D-23A6-4BAE-A195-9290BED99436}"/>
+                <a16:creationId xmlns:a16="http://schemas.microsoft.com/office/drawing/2014/main" id="{5F718F3D-23A6-4BAE-A195-9290BED99436}"/>
               </a:ext>
             </a:extLst>
           </p:cNvPr>
@@ -1338,7 +1340,7 @@
           <p:cNvPr id="4" name="Content Placeholder 3">
             <a:extLst>
               <a:ext uri="{FF2B5EF4-FFF2-40B4-BE49-F238E27FC236}">
-                <a16:creationId xmlns:a16="http://schemas.microsoft.com/office/drawing/2014/main" xmlns="" id="{987DE0C4-EF3A-42E6-9D3E-22C7A0BC9A37}"/>
+                <a16:creationId xmlns:a16="http://schemas.microsoft.com/office/drawing/2014/main" id="{987DE0C4-EF3A-42E6-9D3E-22C7A0BC9A37}"/>
               </a:ext>
             </a:extLst>
           </p:cNvPr>
@@ -1401,7 +1403,7 @@
           <p:cNvPr id="5" name="Date Placeholder 4">
             <a:extLst>
               <a:ext uri="{FF2B5EF4-FFF2-40B4-BE49-F238E27FC236}">
-                <a16:creationId xmlns:a16="http://schemas.microsoft.com/office/drawing/2014/main" xmlns="" id="{E4BFA167-4D74-44D4-AA06-F7DBEA7BB015}"/>
+                <a16:creationId xmlns:a16="http://schemas.microsoft.com/office/drawing/2014/main" id="{E4BFA167-4D74-44D4-AA06-F7DBEA7BB015}"/>
               </a:ext>
             </a:extLst>
           </p:cNvPr>
@@ -1419,7 +1421,7 @@
           <a:p>
             <a:fld id="{542F47FF-5056-41FF-A1F8-23A414798AA4}" type="datetimeFigureOut">
               <a:rPr lang="en-SG" smtClean="0"/>
-              <a:t>30/12/2017</a:t>
+              <a:t>14/4/2018</a:t>
             </a:fld>
             <a:endParaRPr lang="en-SG"/>
           </a:p>
@@ -1430,7 +1432,7 @@
           <p:cNvPr id="6" name="Footer Placeholder 5">
             <a:extLst>
               <a:ext uri="{FF2B5EF4-FFF2-40B4-BE49-F238E27FC236}">
-                <a16:creationId xmlns:a16="http://schemas.microsoft.com/office/drawing/2014/main" xmlns="" id="{000F966C-5803-470B-AFA7-C187FB7AE76F}"/>
+                <a16:creationId xmlns:a16="http://schemas.microsoft.com/office/drawing/2014/main" id="{000F966C-5803-470B-AFA7-C187FB7AE76F}"/>
               </a:ext>
             </a:extLst>
           </p:cNvPr>
@@ -1455,7 +1457,7 @@
           <p:cNvPr id="7" name="Slide Number Placeholder 6">
             <a:extLst>
               <a:ext uri="{FF2B5EF4-FFF2-40B4-BE49-F238E27FC236}">
-                <a16:creationId xmlns:a16="http://schemas.microsoft.com/office/drawing/2014/main" xmlns="" id="{C5072683-17F0-489D-BA30-0EAE1A9786AE}"/>
+                <a16:creationId xmlns:a16="http://schemas.microsoft.com/office/drawing/2014/main" id="{C5072683-17F0-489D-BA30-0EAE1A9786AE}"/>
               </a:ext>
             </a:extLst>
           </p:cNvPr>
@@ -1514,7 +1516,7 @@
           <p:cNvPr id="2" name="Title 1">
             <a:extLst>
               <a:ext uri="{FF2B5EF4-FFF2-40B4-BE49-F238E27FC236}">
-                <a16:creationId xmlns:a16="http://schemas.microsoft.com/office/drawing/2014/main" xmlns="" id="{CEC7B897-F9D1-4F32-BB47-48174A5ED64C}"/>
+                <a16:creationId xmlns:a16="http://schemas.microsoft.com/office/drawing/2014/main" id="{CEC7B897-F9D1-4F32-BB47-48174A5ED64C}"/>
               </a:ext>
             </a:extLst>
           </p:cNvPr>
@@ -1548,7 +1550,7 @@
           <p:cNvPr id="3" name="Text Placeholder 2">
             <a:extLst>
               <a:ext uri="{FF2B5EF4-FFF2-40B4-BE49-F238E27FC236}">
-                <a16:creationId xmlns:a16="http://schemas.microsoft.com/office/drawing/2014/main" xmlns="" id="{F641612B-9729-43C6-B566-AD5088E65020}"/>
+                <a16:creationId xmlns:a16="http://schemas.microsoft.com/office/drawing/2014/main" id="{F641612B-9729-43C6-B566-AD5088E65020}"/>
               </a:ext>
             </a:extLst>
           </p:cNvPr>
@@ -1619,7 +1621,7 @@
           <p:cNvPr id="4" name="Content Placeholder 3">
             <a:extLst>
               <a:ext uri="{FF2B5EF4-FFF2-40B4-BE49-F238E27FC236}">
-                <a16:creationId xmlns:a16="http://schemas.microsoft.com/office/drawing/2014/main" xmlns="" id="{C9E1DDFB-755B-486A-8E6E-CC7CFE66970C}"/>
+                <a16:creationId xmlns:a16="http://schemas.microsoft.com/office/drawing/2014/main" id="{C9E1DDFB-755B-486A-8E6E-CC7CFE66970C}"/>
               </a:ext>
             </a:extLst>
           </p:cNvPr>
@@ -1682,7 +1684,7 @@
           <p:cNvPr id="5" name="Text Placeholder 4">
             <a:extLst>
               <a:ext uri="{FF2B5EF4-FFF2-40B4-BE49-F238E27FC236}">
-                <a16:creationId xmlns:a16="http://schemas.microsoft.com/office/drawing/2014/main" xmlns="" id="{9C513BAE-7453-4E00-A4D1-7192F85ACD26}"/>
+                <a16:creationId xmlns:a16="http://schemas.microsoft.com/office/drawing/2014/main" id="{9C513BAE-7453-4E00-A4D1-7192F85ACD26}"/>
               </a:ext>
             </a:extLst>
           </p:cNvPr>
@@ -1753,7 +1755,7 @@
           <p:cNvPr id="6" name="Content Placeholder 5">
             <a:extLst>
               <a:ext uri="{FF2B5EF4-FFF2-40B4-BE49-F238E27FC236}">
-                <a16:creationId xmlns:a16="http://schemas.microsoft.com/office/drawing/2014/main" xmlns="" id="{CD44104D-C0AE-4458-869E-DFF710C415CC}"/>
+                <a16:creationId xmlns:a16="http://schemas.microsoft.com/office/drawing/2014/main" id="{CD44104D-C0AE-4458-869E-DFF710C415CC}"/>
               </a:ext>
             </a:extLst>
           </p:cNvPr>
@@ -1816,7 +1818,7 @@
           <p:cNvPr id="7" name="Date Placeholder 6">
             <a:extLst>
               <a:ext uri="{FF2B5EF4-FFF2-40B4-BE49-F238E27FC236}">
-                <a16:creationId xmlns:a16="http://schemas.microsoft.com/office/drawing/2014/main" xmlns="" id="{4CB7CAF3-D690-40A3-88F7-9D0D17864C18}"/>
+                <a16:creationId xmlns:a16="http://schemas.microsoft.com/office/drawing/2014/main" id="{4CB7CAF3-D690-40A3-88F7-9D0D17864C18}"/>
               </a:ext>
             </a:extLst>
           </p:cNvPr>
@@ -1834,7 +1836,7 @@
           <a:p>
             <a:fld id="{542F47FF-5056-41FF-A1F8-23A414798AA4}" type="datetimeFigureOut">
               <a:rPr lang="en-SG" smtClean="0"/>
-              <a:t>30/12/2017</a:t>
+              <a:t>14/4/2018</a:t>
             </a:fld>
             <a:endParaRPr lang="en-SG"/>
           </a:p>
@@ -1845,7 +1847,7 @@
           <p:cNvPr id="8" name="Footer Placeholder 7">
             <a:extLst>
               <a:ext uri="{FF2B5EF4-FFF2-40B4-BE49-F238E27FC236}">
-                <a16:creationId xmlns:a16="http://schemas.microsoft.com/office/drawing/2014/main" xmlns="" id="{E3FCCAB0-63DD-4704-AA42-E4F81E641DA3}"/>
+                <a16:creationId xmlns:a16="http://schemas.microsoft.com/office/drawing/2014/main" id="{E3FCCAB0-63DD-4704-AA42-E4F81E641DA3}"/>
               </a:ext>
             </a:extLst>
           </p:cNvPr>
@@ -1870,7 +1872,7 @@
           <p:cNvPr id="9" name="Slide Number Placeholder 8">
             <a:extLst>
               <a:ext uri="{FF2B5EF4-FFF2-40B4-BE49-F238E27FC236}">
-                <a16:creationId xmlns:a16="http://schemas.microsoft.com/office/drawing/2014/main" xmlns="" id="{604EFCC3-8687-4BC3-9C9E-60FD561B237F}"/>
+                <a16:creationId xmlns:a16="http://schemas.microsoft.com/office/drawing/2014/main" id="{604EFCC3-8687-4BC3-9C9E-60FD561B237F}"/>
               </a:ext>
             </a:extLst>
           </p:cNvPr>
@@ -1929,7 +1931,7 @@
           <p:cNvPr id="2" name="Title 1">
             <a:extLst>
               <a:ext uri="{FF2B5EF4-FFF2-40B4-BE49-F238E27FC236}">
-                <a16:creationId xmlns:a16="http://schemas.microsoft.com/office/drawing/2014/main" xmlns="" id="{D324AE97-E2C9-4642-887A-4474C5566AA6}"/>
+                <a16:creationId xmlns:a16="http://schemas.microsoft.com/office/drawing/2014/main" id="{D324AE97-E2C9-4642-887A-4474C5566AA6}"/>
               </a:ext>
             </a:extLst>
           </p:cNvPr>
@@ -1958,7 +1960,7 @@
           <p:cNvPr id="3" name="Date Placeholder 2">
             <a:extLst>
               <a:ext uri="{FF2B5EF4-FFF2-40B4-BE49-F238E27FC236}">
-                <a16:creationId xmlns:a16="http://schemas.microsoft.com/office/drawing/2014/main" xmlns="" id="{919EDCEA-D8A9-431E-AF93-4824C03FD0F2}"/>
+                <a16:creationId xmlns:a16="http://schemas.microsoft.com/office/drawing/2014/main" id="{919EDCEA-D8A9-431E-AF93-4824C03FD0F2}"/>
               </a:ext>
             </a:extLst>
           </p:cNvPr>
@@ -1976,7 +1978,7 @@
           <a:p>
             <a:fld id="{542F47FF-5056-41FF-A1F8-23A414798AA4}" type="datetimeFigureOut">
               <a:rPr lang="en-SG" smtClean="0"/>
-              <a:t>30/12/2017</a:t>
+              <a:t>14/4/2018</a:t>
             </a:fld>
             <a:endParaRPr lang="en-SG"/>
           </a:p>
@@ -1987,7 +1989,7 @@
           <p:cNvPr id="4" name="Footer Placeholder 3">
             <a:extLst>
               <a:ext uri="{FF2B5EF4-FFF2-40B4-BE49-F238E27FC236}">
-                <a16:creationId xmlns:a16="http://schemas.microsoft.com/office/drawing/2014/main" xmlns="" id="{1F13DD51-16D3-435A-A475-0C2A7255A05E}"/>
+                <a16:creationId xmlns:a16="http://schemas.microsoft.com/office/drawing/2014/main" id="{1F13DD51-16D3-435A-A475-0C2A7255A05E}"/>
               </a:ext>
             </a:extLst>
           </p:cNvPr>
@@ -2012,7 +2014,7 @@
           <p:cNvPr id="5" name="Slide Number Placeholder 4">
             <a:extLst>
               <a:ext uri="{FF2B5EF4-FFF2-40B4-BE49-F238E27FC236}">
-                <a16:creationId xmlns:a16="http://schemas.microsoft.com/office/drawing/2014/main" xmlns="" id="{3D7AC15F-BADE-4466-835A-57B1A9E5162B}"/>
+                <a16:creationId xmlns:a16="http://schemas.microsoft.com/office/drawing/2014/main" id="{3D7AC15F-BADE-4466-835A-57B1A9E5162B}"/>
               </a:ext>
             </a:extLst>
           </p:cNvPr>
@@ -2071,7 +2073,7 @@
           <p:cNvPr id="2" name="Date Placeholder 1">
             <a:extLst>
               <a:ext uri="{FF2B5EF4-FFF2-40B4-BE49-F238E27FC236}">
-                <a16:creationId xmlns:a16="http://schemas.microsoft.com/office/drawing/2014/main" xmlns="" id="{48F01CC8-EEC4-4B3C-8C73-3EBB7DCEBE67}"/>
+                <a16:creationId xmlns:a16="http://schemas.microsoft.com/office/drawing/2014/main" id="{48F01CC8-EEC4-4B3C-8C73-3EBB7DCEBE67}"/>
               </a:ext>
             </a:extLst>
           </p:cNvPr>
@@ -2089,7 +2091,7 @@
           <a:p>
             <a:fld id="{542F47FF-5056-41FF-A1F8-23A414798AA4}" type="datetimeFigureOut">
               <a:rPr lang="en-SG" smtClean="0"/>
-              <a:t>30/12/2017</a:t>
+              <a:t>14/4/2018</a:t>
             </a:fld>
             <a:endParaRPr lang="en-SG"/>
           </a:p>
@@ -2100,7 +2102,7 @@
           <p:cNvPr id="3" name="Footer Placeholder 2">
             <a:extLst>
               <a:ext uri="{FF2B5EF4-FFF2-40B4-BE49-F238E27FC236}">
-                <a16:creationId xmlns:a16="http://schemas.microsoft.com/office/drawing/2014/main" xmlns="" id="{4D820BAF-6E28-43DA-9E9B-8C229AB2A964}"/>
+                <a16:creationId xmlns:a16="http://schemas.microsoft.com/office/drawing/2014/main" id="{4D820BAF-6E28-43DA-9E9B-8C229AB2A964}"/>
               </a:ext>
             </a:extLst>
           </p:cNvPr>
@@ -2125,7 +2127,7 @@
           <p:cNvPr id="4" name="Slide Number Placeholder 3">
             <a:extLst>
               <a:ext uri="{FF2B5EF4-FFF2-40B4-BE49-F238E27FC236}">
-                <a16:creationId xmlns:a16="http://schemas.microsoft.com/office/drawing/2014/main" xmlns="" id="{49BFE3EF-B472-4F66-80D5-1B722E8086E6}"/>
+                <a16:creationId xmlns:a16="http://schemas.microsoft.com/office/drawing/2014/main" id="{49BFE3EF-B472-4F66-80D5-1B722E8086E6}"/>
               </a:ext>
             </a:extLst>
           </p:cNvPr>
@@ -2184,7 +2186,7 @@
           <p:cNvPr id="2" name="Title 1">
             <a:extLst>
               <a:ext uri="{FF2B5EF4-FFF2-40B4-BE49-F238E27FC236}">
-                <a16:creationId xmlns:a16="http://schemas.microsoft.com/office/drawing/2014/main" xmlns="" id="{E1ABDE73-0F58-47D3-8C8B-C147DE1C0B22}"/>
+                <a16:creationId xmlns:a16="http://schemas.microsoft.com/office/drawing/2014/main" id="{E1ABDE73-0F58-47D3-8C8B-C147DE1C0B22}"/>
               </a:ext>
             </a:extLst>
           </p:cNvPr>
@@ -2222,7 +2224,7 @@
           <p:cNvPr id="3" name="Content Placeholder 2">
             <a:extLst>
               <a:ext uri="{FF2B5EF4-FFF2-40B4-BE49-F238E27FC236}">
-                <a16:creationId xmlns:a16="http://schemas.microsoft.com/office/drawing/2014/main" xmlns="" id="{0167F6A8-B979-42A6-B421-40577DD5582F}"/>
+                <a16:creationId xmlns:a16="http://schemas.microsoft.com/office/drawing/2014/main" id="{0167F6A8-B979-42A6-B421-40577DD5582F}"/>
               </a:ext>
             </a:extLst>
           </p:cNvPr>
@@ -2313,7 +2315,7 @@
           <p:cNvPr id="4" name="Text Placeholder 3">
             <a:extLst>
               <a:ext uri="{FF2B5EF4-FFF2-40B4-BE49-F238E27FC236}">
-                <a16:creationId xmlns:a16="http://schemas.microsoft.com/office/drawing/2014/main" xmlns="" id="{6887A488-06FE-46E9-8AC5-DF38A61CCF05}"/>
+                <a16:creationId xmlns:a16="http://schemas.microsoft.com/office/drawing/2014/main" id="{6887A488-06FE-46E9-8AC5-DF38A61CCF05}"/>
               </a:ext>
             </a:extLst>
           </p:cNvPr>
@@ -2384,7 +2386,7 @@
           <p:cNvPr id="5" name="Date Placeholder 4">
             <a:extLst>
               <a:ext uri="{FF2B5EF4-FFF2-40B4-BE49-F238E27FC236}">
-                <a16:creationId xmlns:a16="http://schemas.microsoft.com/office/drawing/2014/main" xmlns="" id="{1225C56B-78B2-45C0-A8A9-C9D435A286D0}"/>
+                <a16:creationId xmlns:a16="http://schemas.microsoft.com/office/drawing/2014/main" id="{1225C56B-78B2-45C0-A8A9-C9D435A286D0}"/>
               </a:ext>
             </a:extLst>
           </p:cNvPr>
@@ -2402,7 +2404,7 @@
           <a:p>
             <a:fld id="{542F47FF-5056-41FF-A1F8-23A414798AA4}" type="datetimeFigureOut">
               <a:rPr lang="en-SG" smtClean="0"/>
-              <a:t>30/12/2017</a:t>
+              <a:t>14/4/2018</a:t>
             </a:fld>
             <a:endParaRPr lang="en-SG"/>
           </a:p>
@@ -2413,7 +2415,7 @@
           <p:cNvPr id="6" name="Footer Placeholder 5">
             <a:extLst>
               <a:ext uri="{FF2B5EF4-FFF2-40B4-BE49-F238E27FC236}">
-                <a16:creationId xmlns:a16="http://schemas.microsoft.com/office/drawing/2014/main" xmlns="" id="{3F9E1B9E-B673-4E26-9323-D731DC395F9C}"/>
+                <a16:creationId xmlns:a16="http://schemas.microsoft.com/office/drawing/2014/main" id="{3F9E1B9E-B673-4E26-9323-D731DC395F9C}"/>
               </a:ext>
             </a:extLst>
           </p:cNvPr>
@@ -2438,7 +2440,7 @@
           <p:cNvPr id="7" name="Slide Number Placeholder 6">
             <a:extLst>
               <a:ext uri="{FF2B5EF4-FFF2-40B4-BE49-F238E27FC236}">
-                <a16:creationId xmlns:a16="http://schemas.microsoft.com/office/drawing/2014/main" xmlns="" id="{6633AB4A-8EB3-4154-869B-5580DEDF4F79}"/>
+                <a16:creationId xmlns:a16="http://schemas.microsoft.com/office/drawing/2014/main" id="{6633AB4A-8EB3-4154-869B-5580DEDF4F79}"/>
               </a:ext>
             </a:extLst>
           </p:cNvPr>
@@ -2497,7 +2499,7 @@
           <p:cNvPr id="2" name="Title 1">
             <a:extLst>
               <a:ext uri="{FF2B5EF4-FFF2-40B4-BE49-F238E27FC236}">
-                <a16:creationId xmlns:a16="http://schemas.microsoft.com/office/drawing/2014/main" xmlns="" id="{61D5430E-44A7-4B67-9F34-F532D5533356}"/>
+                <a16:creationId xmlns:a16="http://schemas.microsoft.com/office/drawing/2014/main" id="{61D5430E-44A7-4B67-9F34-F532D5533356}"/>
               </a:ext>
             </a:extLst>
           </p:cNvPr>
@@ -2535,7 +2537,7 @@
           <p:cNvPr id="3" name="Picture Placeholder 2">
             <a:extLst>
               <a:ext uri="{FF2B5EF4-FFF2-40B4-BE49-F238E27FC236}">
-                <a16:creationId xmlns:a16="http://schemas.microsoft.com/office/drawing/2014/main" xmlns="" id="{94374BCC-AC4A-4ED0-A7BD-6B2491EAED7E}"/>
+                <a16:creationId xmlns:a16="http://schemas.microsoft.com/office/drawing/2014/main" id="{94374BCC-AC4A-4ED0-A7BD-6B2491EAED7E}"/>
               </a:ext>
             </a:extLst>
           </p:cNvPr>
@@ -2602,7 +2604,7 @@
           <p:cNvPr id="4" name="Text Placeholder 3">
             <a:extLst>
               <a:ext uri="{FF2B5EF4-FFF2-40B4-BE49-F238E27FC236}">
-                <a16:creationId xmlns:a16="http://schemas.microsoft.com/office/drawing/2014/main" xmlns="" id="{5AD4568E-164B-462E-9285-49B735DD9DE7}"/>
+                <a16:creationId xmlns:a16="http://schemas.microsoft.com/office/drawing/2014/main" id="{5AD4568E-164B-462E-9285-49B735DD9DE7}"/>
               </a:ext>
             </a:extLst>
           </p:cNvPr>
@@ -2673,7 +2675,7 @@
           <p:cNvPr id="5" name="Date Placeholder 4">
             <a:extLst>
               <a:ext uri="{FF2B5EF4-FFF2-40B4-BE49-F238E27FC236}">
-                <a16:creationId xmlns:a16="http://schemas.microsoft.com/office/drawing/2014/main" xmlns="" id="{ABD88AB5-C9D0-4013-85B4-2228545F24AD}"/>
+                <a16:creationId xmlns:a16="http://schemas.microsoft.com/office/drawing/2014/main" id="{ABD88AB5-C9D0-4013-85B4-2228545F24AD}"/>
               </a:ext>
             </a:extLst>
           </p:cNvPr>
@@ -2691,7 +2693,7 @@
           <a:p>
             <a:fld id="{542F47FF-5056-41FF-A1F8-23A414798AA4}" type="datetimeFigureOut">
               <a:rPr lang="en-SG" smtClean="0"/>
-              <a:t>30/12/2017</a:t>
+              <a:t>14/4/2018</a:t>
             </a:fld>
             <a:endParaRPr lang="en-SG"/>
           </a:p>
@@ -2702,7 +2704,7 @@
           <p:cNvPr id="6" name="Footer Placeholder 5">
             <a:extLst>
               <a:ext uri="{FF2B5EF4-FFF2-40B4-BE49-F238E27FC236}">
-                <a16:creationId xmlns:a16="http://schemas.microsoft.com/office/drawing/2014/main" xmlns="" id="{6378A798-E2A6-4417-A003-DE553E8EC325}"/>
+                <a16:creationId xmlns:a16="http://schemas.microsoft.com/office/drawing/2014/main" id="{6378A798-E2A6-4417-A003-DE553E8EC325}"/>
               </a:ext>
             </a:extLst>
           </p:cNvPr>
@@ -2727,7 +2729,7 @@
           <p:cNvPr id="7" name="Slide Number Placeholder 6">
             <a:extLst>
               <a:ext uri="{FF2B5EF4-FFF2-40B4-BE49-F238E27FC236}">
-                <a16:creationId xmlns:a16="http://schemas.microsoft.com/office/drawing/2014/main" xmlns="" id="{7BC6852D-C345-455C-9499-B57AE4D2D943}"/>
+                <a16:creationId xmlns:a16="http://schemas.microsoft.com/office/drawing/2014/main" id="{7BC6852D-C345-455C-9499-B57AE4D2D943}"/>
               </a:ext>
             </a:extLst>
           </p:cNvPr>
@@ -2791,7 +2793,7 @@
           <p:cNvPr id="2" name="Title Placeholder 1">
             <a:extLst>
               <a:ext uri="{FF2B5EF4-FFF2-40B4-BE49-F238E27FC236}">
-                <a16:creationId xmlns:a16="http://schemas.microsoft.com/office/drawing/2014/main" xmlns="" id="{CF097353-E272-4974-B34C-369C28928CA1}"/>
+                <a16:creationId xmlns:a16="http://schemas.microsoft.com/office/drawing/2014/main" id="{CF097353-E272-4974-B34C-369C28928CA1}"/>
               </a:ext>
             </a:extLst>
           </p:cNvPr>
@@ -2830,7 +2832,7 @@
           <p:cNvPr id="3" name="Text Placeholder 2">
             <a:extLst>
               <a:ext uri="{FF2B5EF4-FFF2-40B4-BE49-F238E27FC236}">
-                <a16:creationId xmlns:a16="http://schemas.microsoft.com/office/drawing/2014/main" xmlns="" id="{BB1BE290-84C1-4415-A557-1ACC36D1226C}"/>
+                <a16:creationId xmlns:a16="http://schemas.microsoft.com/office/drawing/2014/main" id="{BB1BE290-84C1-4415-A557-1ACC36D1226C}"/>
               </a:ext>
             </a:extLst>
           </p:cNvPr>
@@ -2898,7 +2900,7 @@
           <p:cNvPr id="4" name="Date Placeholder 3">
             <a:extLst>
               <a:ext uri="{FF2B5EF4-FFF2-40B4-BE49-F238E27FC236}">
-                <a16:creationId xmlns:a16="http://schemas.microsoft.com/office/drawing/2014/main" xmlns="" id="{F7EAAB47-96EA-44D5-8293-0D696F52A395}"/>
+                <a16:creationId xmlns:a16="http://schemas.microsoft.com/office/drawing/2014/main" id="{F7EAAB47-96EA-44D5-8293-0D696F52A395}"/>
               </a:ext>
             </a:extLst>
           </p:cNvPr>
@@ -2934,7 +2936,7 @@
           <a:p>
             <a:fld id="{542F47FF-5056-41FF-A1F8-23A414798AA4}" type="datetimeFigureOut">
               <a:rPr lang="en-SG" smtClean="0"/>
-              <a:t>30/12/2017</a:t>
+              <a:t>14/4/2018</a:t>
             </a:fld>
             <a:endParaRPr lang="en-SG"/>
           </a:p>
@@ -2945,7 +2947,7 @@
           <p:cNvPr id="5" name="Footer Placeholder 4">
             <a:extLst>
               <a:ext uri="{FF2B5EF4-FFF2-40B4-BE49-F238E27FC236}">
-                <a16:creationId xmlns:a16="http://schemas.microsoft.com/office/drawing/2014/main" xmlns="" id="{F21C6E84-C98D-4391-98A0-E77A4221131C}"/>
+                <a16:creationId xmlns:a16="http://schemas.microsoft.com/office/drawing/2014/main" id="{F21C6E84-C98D-4391-98A0-E77A4221131C}"/>
               </a:ext>
             </a:extLst>
           </p:cNvPr>
@@ -2988,7 +2990,7 @@
           <p:cNvPr id="6" name="Slide Number Placeholder 5">
             <a:extLst>
               <a:ext uri="{FF2B5EF4-FFF2-40B4-BE49-F238E27FC236}">
-                <a16:creationId xmlns:a16="http://schemas.microsoft.com/office/drawing/2014/main" xmlns="" id="{FB352E9C-7394-48E0-A08D-56390F6520E1}"/>
+                <a16:creationId xmlns:a16="http://schemas.microsoft.com/office/drawing/2014/main" id="{FB352E9C-7394-48E0-A08D-56390F6520E1}"/>
               </a:ext>
             </a:extLst>
           </p:cNvPr>
@@ -3356,7 +3358,7 @@
           <p:cNvPr id="4" name="Oval 3">
             <a:extLst>
               <a:ext uri="{FF2B5EF4-FFF2-40B4-BE49-F238E27FC236}">
-                <a16:creationId xmlns:a16="http://schemas.microsoft.com/office/drawing/2014/main" xmlns="" id="{D45F487B-A914-4C8E-B564-00C9D621567D}"/>
+                <a16:creationId xmlns:a16="http://schemas.microsoft.com/office/drawing/2014/main" id="{D45F487B-A914-4C8E-B564-00C9D621567D}"/>
               </a:ext>
             </a:extLst>
           </p:cNvPr>
@@ -3405,7 +3407,7 @@
           <p:cNvPr id="6" name="Straight Arrow Connector 5">
             <a:extLst>
               <a:ext uri="{FF2B5EF4-FFF2-40B4-BE49-F238E27FC236}">
-                <a16:creationId xmlns:a16="http://schemas.microsoft.com/office/drawing/2014/main" xmlns="" id="{73D6638D-34B0-4D9A-B7DC-62ABF1C7D407}"/>
+                <a16:creationId xmlns:a16="http://schemas.microsoft.com/office/drawing/2014/main" id="{73D6638D-34B0-4D9A-B7DC-62ABF1C7D407}"/>
               </a:ext>
             </a:extLst>
           </p:cNvPr>
@@ -3448,7 +3450,7 @@
           <p:cNvPr id="8" name="Rectangle: Rounded Corners 7">
             <a:extLst>
               <a:ext uri="{FF2B5EF4-FFF2-40B4-BE49-F238E27FC236}">
-                <a16:creationId xmlns:a16="http://schemas.microsoft.com/office/drawing/2014/main" xmlns="" id="{C13E6F3C-30CD-49FB-94D8-AF011F54E935}"/>
+                <a16:creationId xmlns:a16="http://schemas.microsoft.com/office/drawing/2014/main" id="{C13E6F3C-30CD-49FB-94D8-AF011F54E935}"/>
               </a:ext>
             </a:extLst>
           </p:cNvPr>
@@ -3500,7 +3502,7 @@
           <p:cNvPr id="9" name="Straight Arrow Connector 8">
             <a:extLst>
               <a:ext uri="{FF2B5EF4-FFF2-40B4-BE49-F238E27FC236}">
-                <a16:creationId xmlns:a16="http://schemas.microsoft.com/office/drawing/2014/main" xmlns="" id="{6A0B3198-7B18-417D-A041-B13DF5BAE7A6}"/>
+                <a16:creationId xmlns:a16="http://schemas.microsoft.com/office/drawing/2014/main" id="{6A0B3198-7B18-417D-A041-B13DF5BAE7A6}"/>
               </a:ext>
             </a:extLst>
           </p:cNvPr>
@@ -3542,7 +3544,7 @@
           <p:cNvPr id="12" name="Diamond 11">
             <a:extLst>
               <a:ext uri="{FF2B5EF4-FFF2-40B4-BE49-F238E27FC236}">
-                <a16:creationId xmlns:a16="http://schemas.microsoft.com/office/drawing/2014/main" xmlns="" id="{8E8723C3-03E7-46BE-8211-AAF9ADC7B033}"/>
+                <a16:creationId xmlns:a16="http://schemas.microsoft.com/office/drawing/2014/main" id="{8E8723C3-03E7-46BE-8211-AAF9ADC7B033}"/>
               </a:ext>
             </a:extLst>
           </p:cNvPr>
@@ -3591,7 +3593,7 @@
           <p:cNvPr id="19" name="TextBox 18">
             <a:extLst>
               <a:ext uri="{FF2B5EF4-FFF2-40B4-BE49-F238E27FC236}">
-                <a16:creationId xmlns:a16="http://schemas.microsoft.com/office/drawing/2014/main" xmlns="" id="{3ABD3846-DF71-49C4-AE22-6CE1C8B39149}"/>
+                <a16:creationId xmlns:a16="http://schemas.microsoft.com/office/drawing/2014/main" id="{3ABD3846-DF71-49C4-AE22-6CE1C8B39149}"/>
               </a:ext>
             </a:extLst>
           </p:cNvPr>
@@ -3615,17 +3617,17 @@
           <a:lstStyle/>
           <a:p>
             <a:r>
-              <a:rPr lang="en-SG" sz="1801" dirty="0" smtClean="0"/>
+              <a:rPr lang="en-SG" sz="1801" dirty="0"/>
               <a:t>[</a:t>
             </a:r>
             <a:r>
-              <a:rPr lang="en-SG" sz="1600" dirty="0" smtClean="0">
+              <a:rPr lang="en-SG" sz="1600" dirty="0">
                 <a:latin typeface="Consolas" panose="020B0609020204030204" pitchFamily="49" charset="0"/>
               </a:rPr>
               <a:t>undo</a:t>
             </a:r>
             <a:r>
-              <a:rPr lang="en-SG" sz="1801" dirty="0" smtClean="0"/>
+              <a:rPr lang="en-SG" sz="1801" dirty="0"/>
               <a:t> or </a:t>
             </a:r>
             <a:r>
@@ -3646,7 +3648,7 @@
           <p:cNvPr id="20" name="TextBox 19">
             <a:extLst>
               <a:ext uri="{FF2B5EF4-FFF2-40B4-BE49-F238E27FC236}">
-                <a16:creationId xmlns:a16="http://schemas.microsoft.com/office/drawing/2014/main" xmlns="" id="{950BB788-4B9F-4654-A5F0-F380DA681824}"/>
+                <a16:creationId xmlns:a16="http://schemas.microsoft.com/office/drawing/2014/main" id="{950BB788-4B9F-4654-A5F0-F380DA681824}"/>
               </a:ext>
             </a:extLst>
           </p:cNvPr>
@@ -3681,7 +3683,7 @@
           <p:cNvPr id="22" name="Rectangle: Rounded Corners 21">
             <a:extLst>
               <a:ext uri="{FF2B5EF4-FFF2-40B4-BE49-F238E27FC236}">
-                <a16:creationId xmlns:a16="http://schemas.microsoft.com/office/drawing/2014/main" xmlns="" id="{A323A4FC-FF89-4B75-A4E8-6FA28B7DCA83}"/>
+                <a16:creationId xmlns:a16="http://schemas.microsoft.com/office/drawing/2014/main" id="{A323A4FC-FF89-4B75-A4E8-6FA28B7DCA83}"/>
               </a:ext>
             </a:extLst>
           </p:cNvPr>
@@ -3733,7 +3735,7 @@
           <p:cNvPr id="26" name="Diamond 25">
             <a:extLst>
               <a:ext uri="{FF2B5EF4-FFF2-40B4-BE49-F238E27FC236}">
-                <a16:creationId xmlns:a16="http://schemas.microsoft.com/office/drawing/2014/main" xmlns="" id="{CEFA5E0B-0718-4C33-83E9-398CBD71772D}"/>
+                <a16:creationId xmlns:a16="http://schemas.microsoft.com/office/drawing/2014/main" id="{CEFA5E0B-0718-4C33-83E9-398CBD71772D}"/>
               </a:ext>
             </a:extLst>
           </p:cNvPr>
@@ -3782,7 +3784,7 @@
           <p:cNvPr id="46" name="Diamond 45">
             <a:extLst>
               <a:ext uri="{FF2B5EF4-FFF2-40B4-BE49-F238E27FC236}">
-                <a16:creationId xmlns:a16="http://schemas.microsoft.com/office/drawing/2014/main" xmlns="" id="{FDB4A38F-F816-4320-82EB-071E9BA2EFAB}"/>
+                <a16:creationId xmlns:a16="http://schemas.microsoft.com/office/drawing/2014/main" id="{FDB4A38F-F816-4320-82EB-071E9BA2EFAB}"/>
               </a:ext>
             </a:extLst>
           </p:cNvPr>
@@ -3831,7 +3833,7 @@
           <p:cNvPr id="47" name="TextBox 46">
             <a:extLst>
               <a:ext uri="{FF2B5EF4-FFF2-40B4-BE49-F238E27FC236}">
-                <a16:creationId xmlns:a16="http://schemas.microsoft.com/office/drawing/2014/main" xmlns="" id="{791A7435-1CBD-4D64-B373-CDF617409EFD}"/>
+                <a16:creationId xmlns:a16="http://schemas.microsoft.com/office/drawing/2014/main" id="{791A7435-1CBD-4D64-B373-CDF617409EFD}"/>
               </a:ext>
             </a:extLst>
           </p:cNvPr>
@@ -3866,7 +3868,7 @@
           <p:cNvPr id="48" name="TextBox 47">
             <a:extLst>
               <a:ext uri="{FF2B5EF4-FFF2-40B4-BE49-F238E27FC236}">
-                <a16:creationId xmlns:a16="http://schemas.microsoft.com/office/drawing/2014/main" xmlns="" id="{300470AD-DA4C-4F16-91F5-E3E560CDBEFC}"/>
+                <a16:creationId xmlns:a16="http://schemas.microsoft.com/office/drawing/2014/main" id="{300470AD-DA4C-4F16-91F5-E3E560CDBEFC}"/>
               </a:ext>
             </a:extLst>
           </p:cNvPr>
@@ -3901,7 +3903,7 @@
           <p:cNvPr id="51" name="Rectangle: Rounded Corners 50">
             <a:extLst>
               <a:ext uri="{FF2B5EF4-FFF2-40B4-BE49-F238E27FC236}">
-                <a16:creationId xmlns:a16="http://schemas.microsoft.com/office/drawing/2014/main" xmlns="" id="{D62D81FC-C644-4602-90C8-B7974D14CA54}"/>
+                <a16:creationId xmlns:a16="http://schemas.microsoft.com/office/drawing/2014/main" id="{D62D81FC-C644-4602-90C8-B7974D14CA54}"/>
               </a:ext>
             </a:extLst>
           </p:cNvPr>
@@ -3953,7 +3955,7 @@
           <p:cNvPr id="56" name="Diamond 55">
             <a:extLst>
               <a:ext uri="{FF2B5EF4-FFF2-40B4-BE49-F238E27FC236}">
-                <a16:creationId xmlns:a16="http://schemas.microsoft.com/office/drawing/2014/main" xmlns="" id="{0ACD7DC4-F31E-42B2-9D34-41B1AE997EB1}"/>
+                <a16:creationId xmlns:a16="http://schemas.microsoft.com/office/drawing/2014/main" id="{0ACD7DC4-F31E-42B2-9D34-41B1AE997EB1}"/>
               </a:ext>
             </a:extLst>
           </p:cNvPr>
@@ -4002,7 +4004,7 @@
           <p:cNvPr id="69" name="Straight Arrow Connector 68">
             <a:extLst>
               <a:ext uri="{FF2B5EF4-FFF2-40B4-BE49-F238E27FC236}">
-                <a16:creationId xmlns:a16="http://schemas.microsoft.com/office/drawing/2014/main" xmlns="" id="{7BE2639B-14BA-4C9C-9964-899CEF3278C9}"/>
+                <a16:creationId xmlns:a16="http://schemas.microsoft.com/office/drawing/2014/main" id="{7BE2639B-14BA-4C9C-9964-899CEF3278C9}"/>
               </a:ext>
             </a:extLst>
           </p:cNvPr>
@@ -4045,7 +4047,7 @@
           <p:cNvPr id="75" name="Group 74">
             <a:extLst>
               <a:ext uri="{FF2B5EF4-FFF2-40B4-BE49-F238E27FC236}">
-                <a16:creationId xmlns:a16="http://schemas.microsoft.com/office/drawing/2014/main" xmlns="" id="{A48F4168-7D41-4ED6-97F1-58289DDE3C4D}"/>
+                <a16:creationId xmlns:a16="http://schemas.microsoft.com/office/drawing/2014/main" id="{A48F4168-7D41-4ED6-97F1-58289DDE3C4D}"/>
               </a:ext>
             </a:extLst>
           </p:cNvPr>
@@ -4065,7 +4067,7 @@
             <p:cNvPr id="68" name="Oval 67">
               <a:extLst>
                 <a:ext uri="{FF2B5EF4-FFF2-40B4-BE49-F238E27FC236}">
-                  <a16:creationId xmlns:a16="http://schemas.microsoft.com/office/drawing/2014/main" xmlns="" id="{E423C8D7-553D-4A16-BA68-78DB113CAEC3}"/>
+                  <a16:creationId xmlns:a16="http://schemas.microsoft.com/office/drawing/2014/main" id="{E423C8D7-553D-4A16-BA68-78DB113CAEC3}"/>
                 </a:ext>
               </a:extLst>
             </p:cNvPr>
@@ -4117,7 +4119,7 @@
             <p:cNvPr id="71" name="Oval 70">
               <a:extLst>
                 <a:ext uri="{FF2B5EF4-FFF2-40B4-BE49-F238E27FC236}">
-                  <a16:creationId xmlns:a16="http://schemas.microsoft.com/office/drawing/2014/main" xmlns="" id="{1F41AA13-1BFC-498E-BBC4-DC32053E38E1}"/>
+                  <a16:creationId xmlns:a16="http://schemas.microsoft.com/office/drawing/2014/main" id="{1F41AA13-1BFC-498E-BBC4-DC32053E38E1}"/>
                 </a:ext>
               </a:extLst>
             </p:cNvPr>
@@ -4424,6 +4426,2127 @@
     <p:extLst>
       <p:ext uri="{BB962C8B-B14F-4D97-AF65-F5344CB8AC3E}">
         <p14:creationId xmlns:p14="http://schemas.microsoft.com/office/powerpoint/2010/main" val="409515240"/>
+      </p:ext>
+    </p:extLst>
+  </p:cSld>
+  <p:clrMapOvr>
+    <a:masterClrMapping/>
+  </p:clrMapOvr>
+</p:sld>
+</file>
+
+<file path=ppt/slides/slide2.xml><?xml version="1.0" encoding="utf-8"?>
+<p:sld xmlns:a="http://schemas.openxmlformats.org/drawingml/2006/main" xmlns:r="http://schemas.openxmlformats.org/officeDocument/2006/relationships" xmlns:p="http://schemas.openxmlformats.org/presentationml/2006/main">
+  <p:cSld>
+    <p:spTree>
+      <p:nvGrpSpPr>
+        <p:cNvPr id="1" name=""/>
+        <p:cNvGrpSpPr/>
+        <p:nvPr/>
+      </p:nvGrpSpPr>
+      <p:grpSpPr>
+        <a:xfrm>
+          <a:off x="0" y="0"/>
+          <a:ext cx="0" cy="0"/>
+          <a:chOff x="0" y="0"/>
+          <a:chExt cx="0" cy="0"/>
+        </a:xfrm>
+      </p:grpSpPr>
+      <p:sp>
+        <p:nvSpPr>
+          <p:cNvPr id="4" name="Oval 3">
+            <a:extLst>
+              <a:ext uri="{FF2B5EF4-FFF2-40B4-BE49-F238E27FC236}">
+                <a16:creationId xmlns:a16="http://schemas.microsoft.com/office/drawing/2014/main" id="{D45F487B-A914-4C8E-B564-00C9D621567D}"/>
+              </a:ext>
+            </a:extLst>
+          </p:cNvPr>
+          <p:cNvSpPr/>
+          <p:nvPr/>
+        </p:nvSpPr>
+        <p:spPr>
+          <a:xfrm>
+            <a:off x="1369149" y="790375"/>
+            <a:ext cx="235669" cy="235669"/>
+          </a:xfrm>
+          <a:prstGeom prst="ellipse">
+            <a:avLst/>
+          </a:prstGeom>
+        </p:spPr>
+        <p:style>
+          <a:lnRef idx="1">
+            <a:schemeClr val="accent1"/>
+          </a:lnRef>
+          <a:fillRef idx="2">
+            <a:schemeClr val="accent1"/>
+          </a:fillRef>
+          <a:effectRef idx="1">
+            <a:schemeClr val="accent1"/>
+          </a:effectRef>
+          <a:fontRef idx="minor">
+            <a:schemeClr val="dk1"/>
+          </a:fontRef>
+        </p:style>
+        <p:txBody>
+          <a:bodyPr rot="0" spcFirstLastPara="0" vertOverflow="overflow" horzOverflow="overflow" vert="horz" wrap="square" lIns="91440" tIns="45721" rIns="91440" bIns="45721" numCol="1" spcCol="0" rtlCol="0" fromWordArt="0" anchor="ctr" anchorCtr="0" forceAA="0" compatLnSpc="1">
+            <a:prstTxWarp prst="textNoShape">
+              <a:avLst/>
+            </a:prstTxWarp>
+            <a:noAutofit/>
+          </a:bodyPr>
+          <a:lstStyle/>
+          <a:p>
+            <a:pPr algn="ctr"/>
+            <a:endParaRPr lang="en-SG" sz="1801"/>
+          </a:p>
+        </p:txBody>
+      </p:sp>
+      <p:cxnSp>
+        <p:nvCxnSpPr>
+          <p:cNvPr id="6" name="Straight Arrow Connector 5">
+            <a:extLst>
+              <a:ext uri="{FF2B5EF4-FFF2-40B4-BE49-F238E27FC236}">
+                <a16:creationId xmlns:a16="http://schemas.microsoft.com/office/drawing/2014/main" id="{73D6638D-34B0-4D9A-B7DC-62ABF1C7D407}"/>
+              </a:ext>
+            </a:extLst>
+          </p:cNvPr>
+          <p:cNvCxnSpPr>
+            <a:cxnSpLocks/>
+          </p:cNvCxnSpPr>
+          <p:nvPr/>
+        </p:nvCxnSpPr>
+        <p:spPr>
+          <a:xfrm>
+            <a:off x="1488970" y="1026464"/>
+            <a:ext cx="0" cy="347210"/>
+          </a:xfrm>
+          <a:prstGeom prst="straightConnector1">
+            <a:avLst/>
+          </a:prstGeom>
+          <a:ln>
+            <a:tailEnd type="triangle"/>
+          </a:ln>
+        </p:spPr>
+        <p:style>
+          <a:lnRef idx="1">
+            <a:schemeClr val="dk1"/>
+          </a:lnRef>
+          <a:fillRef idx="0">
+            <a:schemeClr val="dk1"/>
+          </a:fillRef>
+          <a:effectRef idx="0">
+            <a:schemeClr val="dk1"/>
+          </a:effectRef>
+          <a:fontRef idx="minor">
+            <a:schemeClr val="tx1"/>
+          </a:fontRef>
+        </p:style>
+      </p:cxnSp>
+      <p:sp>
+        <p:nvSpPr>
+          <p:cNvPr id="8" name="Rectangle: Rounded Corners 7">
+            <a:extLst>
+              <a:ext uri="{FF2B5EF4-FFF2-40B4-BE49-F238E27FC236}">
+                <a16:creationId xmlns:a16="http://schemas.microsoft.com/office/drawing/2014/main" id="{C13E6F3C-30CD-49FB-94D8-AF011F54E935}"/>
+              </a:ext>
+            </a:extLst>
+          </p:cNvPr>
+          <p:cNvSpPr/>
+          <p:nvPr/>
+        </p:nvSpPr>
+        <p:spPr>
+          <a:xfrm>
+            <a:off x="646115" y="1373674"/>
+            <a:ext cx="1739846" cy="829281"/>
+          </a:xfrm>
+          <a:prstGeom prst="roundRect">
+            <a:avLst/>
+          </a:prstGeom>
+        </p:spPr>
+        <p:style>
+          <a:lnRef idx="1">
+            <a:schemeClr val="accent5"/>
+          </a:lnRef>
+          <a:fillRef idx="2">
+            <a:schemeClr val="accent5"/>
+          </a:fillRef>
+          <a:effectRef idx="1">
+            <a:schemeClr val="accent5"/>
+          </a:effectRef>
+          <a:fontRef idx="minor">
+            <a:schemeClr val="dk1"/>
+          </a:fontRef>
+        </p:style>
+        <p:txBody>
+          <a:bodyPr rot="0" spcFirstLastPara="0" vertOverflow="overflow" horzOverflow="overflow" vert="horz" wrap="square" lIns="91440" tIns="45721" rIns="91440" bIns="45721" numCol="1" spcCol="0" rtlCol="0" fromWordArt="0" anchor="ctr" anchorCtr="0" forceAA="0" compatLnSpc="1">
+            <a:prstTxWarp prst="textNoShape">
+              <a:avLst/>
+            </a:prstTxWarp>
+            <a:noAutofit/>
+          </a:bodyPr>
+          <a:lstStyle/>
+          <a:p>
+            <a:pPr algn="ctr"/>
+            <a:r>
+              <a:rPr lang="en-SG" sz="1801" dirty="0"/>
+              <a:t>User executes `</a:t>
+            </a:r>
+            <a:r>
+              <a:rPr lang="en-SG" sz="1801" dirty="0" err="1"/>
+              <a:t>findclosecases`command</a:t>
+            </a:r>
+            <a:endParaRPr lang="en-SG" sz="1801" dirty="0"/>
+          </a:p>
+        </p:txBody>
+      </p:sp>
+      <p:cxnSp>
+        <p:nvCxnSpPr>
+          <p:cNvPr id="9" name="Straight Arrow Connector 8">
+            <a:extLst>
+              <a:ext uri="{FF2B5EF4-FFF2-40B4-BE49-F238E27FC236}">
+                <a16:creationId xmlns:a16="http://schemas.microsoft.com/office/drawing/2014/main" id="{6A0B3198-7B18-417D-A041-B13DF5BAE7A6}"/>
+              </a:ext>
+            </a:extLst>
+          </p:cNvPr>
+          <p:cNvCxnSpPr>
+            <a:cxnSpLocks/>
+          </p:cNvCxnSpPr>
+          <p:nvPr/>
+        </p:nvCxnSpPr>
+        <p:spPr>
+          <a:xfrm>
+            <a:off x="1486983" y="2202955"/>
+            <a:ext cx="0" cy="496115"/>
+          </a:xfrm>
+          <a:prstGeom prst="straightConnector1">
+            <a:avLst/>
+          </a:prstGeom>
+          <a:ln>
+            <a:tailEnd type="triangle"/>
+          </a:ln>
+        </p:spPr>
+        <p:style>
+          <a:lnRef idx="1">
+            <a:schemeClr val="dk1"/>
+          </a:lnRef>
+          <a:fillRef idx="0">
+            <a:schemeClr val="dk1"/>
+          </a:fillRef>
+          <a:effectRef idx="0">
+            <a:schemeClr val="dk1"/>
+          </a:effectRef>
+          <a:fontRef idx="minor">
+            <a:schemeClr val="tx1"/>
+          </a:fontRef>
+        </p:style>
+      </p:cxnSp>
+      <p:sp>
+        <p:nvSpPr>
+          <p:cNvPr id="36" name="Rectangle: Rounded Corners 35">
+            <a:extLst>
+              <a:ext uri="{FF2B5EF4-FFF2-40B4-BE49-F238E27FC236}">
+                <a16:creationId xmlns:a16="http://schemas.microsoft.com/office/drawing/2014/main" id="{E7E50059-1038-41E3-9DF3-82F04F51FE87}"/>
+              </a:ext>
+            </a:extLst>
+          </p:cNvPr>
+          <p:cNvSpPr/>
+          <p:nvPr/>
+        </p:nvSpPr>
+        <p:spPr>
+          <a:xfrm>
+            <a:off x="308766" y="2699070"/>
+            <a:ext cx="2413601" cy="905501"/>
+          </a:xfrm>
+          <a:prstGeom prst="roundRect">
+            <a:avLst/>
+          </a:prstGeom>
+          <a:solidFill>
+            <a:schemeClr val="bg2">
+              <a:lumMod val="75000"/>
+            </a:schemeClr>
+          </a:solidFill>
+          <a:ln>
+            <a:noFill/>
+          </a:ln>
+        </p:spPr>
+        <p:style>
+          <a:lnRef idx="1">
+            <a:schemeClr val="accent4"/>
+          </a:lnRef>
+          <a:fillRef idx="2">
+            <a:schemeClr val="accent4"/>
+          </a:fillRef>
+          <a:effectRef idx="1">
+            <a:schemeClr val="accent4"/>
+          </a:effectRef>
+          <a:fontRef idx="minor">
+            <a:schemeClr val="dk1"/>
+          </a:fontRef>
+        </p:style>
+        <p:txBody>
+          <a:bodyPr rot="0" spcFirstLastPara="0" vertOverflow="overflow" horzOverflow="overflow" vert="horz" wrap="square" lIns="91440" tIns="45721" rIns="91440" bIns="45721" numCol="1" spcCol="0" rtlCol="0" fromWordArt="0" anchor="ctr" anchorCtr="0" forceAA="0" compatLnSpc="1">
+            <a:prstTxWarp prst="textNoShape">
+              <a:avLst/>
+            </a:prstTxWarp>
+            <a:noAutofit/>
+          </a:bodyPr>
+          <a:lstStyle/>
+          <a:p>
+            <a:pPr algn="ctr"/>
+            <a:r>
+              <a:rPr lang="en-SG" sz="1801" dirty="0"/>
+              <a:t>Forms a predicate with the keyword ‘close’</a:t>
+            </a:r>
+          </a:p>
+        </p:txBody>
+      </p:sp>
+      <p:cxnSp>
+        <p:nvCxnSpPr>
+          <p:cNvPr id="41" name="Straight Arrow Connector 40">
+            <a:extLst>
+              <a:ext uri="{FF2B5EF4-FFF2-40B4-BE49-F238E27FC236}">
+                <a16:creationId xmlns:a16="http://schemas.microsoft.com/office/drawing/2014/main" id="{55DEFE9A-94A0-48E5-A434-AFE0BF708213}"/>
+              </a:ext>
+            </a:extLst>
+          </p:cNvPr>
+          <p:cNvCxnSpPr>
+            <a:cxnSpLocks/>
+            <a:stCxn id="42" idx="3"/>
+          </p:cNvCxnSpPr>
+          <p:nvPr/>
+        </p:nvCxnSpPr>
+        <p:spPr>
+          <a:xfrm>
+            <a:off x="2722367" y="4553437"/>
+            <a:ext cx="704414" cy="0"/>
+          </a:xfrm>
+          <a:prstGeom prst="straightConnector1">
+            <a:avLst/>
+          </a:prstGeom>
+          <a:ln>
+            <a:tailEnd type="triangle"/>
+          </a:ln>
+        </p:spPr>
+        <p:style>
+          <a:lnRef idx="1">
+            <a:schemeClr val="dk1"/>
+          </a:lnRef>
+          <a:fillRef idx="0">
+            <a:schemeClr val="dk1"/>
+          </a:fillRef>
+          <a:effectRef idx="0">
+            <a:schemeClr val="dk1"/>
+          </a:effectRef>
+          <a:fontRef idx="minor">
+            <a:schemeClr val="tx1"/>
+          </a:fontRef>
+        </p:style>
+      </p:cxnSp>
+      <p:sp>
+        <p:nvSpPr>
+          <p:cNvPr id="42" name="Rectangle: Rounded Corners 41">
+            <a:extLst>
+              <a:ext uri="{FF2B5EF4-FFF2-40B4-BE49-F238E27FC236}">
+                <a16:creationId xmlns:a16="http://schemas.microsoft.com/office/drawing/2014/main" id="{B0C7A246-362D-4678-BDB5-B1447198755B}"/>
+              </a:ext>
+            </a:extLst>
+          </p:cNvPr>
+          <p:cNvSpPr/>
+          <p:nvPr/>
+        </p:nvSpPr>
+        <p:spPr>
+          <a:xfrm>
+            <a:off x="308766" y="4100686"/>
+            <a:ext cx="2413601" cy="905501"/>
+          </a:xfrm>
+          <a:prstGeom prst="roundRect">
+            <a:avLst/>
+          </a:prstGeom>
+          <a:solidFill>
+            <a:schemeClr val="bg2">
+              <a:lumMod val="75000"/>
+            </a:schemeClr>
+          </a:solidFill>
+          <a:ln>
+            <a:noFill/>
+          </a:ln>
+        </p:spPr>
+        <p:style>
+          <a:lnRef idx="1">
+            <a:schemeClr val="accent4"/>
+          </a:lnRef>
+          <a:fillRef idx="2">
+            <a:schemeClr val="accent4"/>
+          </a:fillRef>
+          <a:effectRef idx="1">
+            <a:schemeClr val="accent4"/>
+          </a:effectRef>
+          <a:fontRef idx="minor">
+            <a:schemeClr val="dk1"/>
+          </a:fontRef>
+        </p:style>
+        <p:txBody>
+          <a:bodyPr rot="0" spcFirstLastPara="0" vertOverflow="overflow" horzOverflow="overflow" vert="horz" wrap="square" lIns="91440" tIns="45721" rIns="91440" bIns="45721" numCol="1" spcCol="0" rtlCol="0" fromWordArt="0" anchor="ctr" anchorCtr="0" forceAA="0" compatLnSpc="1">
+            <a:prstTxWarp prst="textNoShape">
+              <a:avLst/>
+            </a:prstTxWarp>
+            <a:noAutofit/>
+          </a:bodyPr>
+          <a:lstStyle/>
+          <a:p>
+            <a:pPr algn="ctr"/>
+            <a:r>
+              <a:rPr lang="en-SG" sz="1801" dirty="0"/>
+              <a:t>Gets all the cases present in </a:t>
+            </a:r>
+            <a:r>
+              <a:rPr lang="en-SG" sz="1801" dirty="0" err="1"/>
+              <a:t>investigapptor</a:t>
+            </a:r>
+            <a:endParaRPr lang="en-SG" sz="1801" dirty="0"/>
+          </a:p>
+        </p:txBody>
+      </p:sp>
+      <p:cxnSp>
+        <p:nvCxnSpPr>
+          <p:cNvPr id="43" name="Straight Arrow Connector 42">
+            <a:extLst>
+              <a:ext uri="{FF2B5EF4-FFF2-40B4-BE49-F238E27FC236}">
+                <a16:creationId xmlns:a16="http://schemas.microsoft.com/office/drawing/2014/main" id="{4E874007-3069-4332-B712-A12EFDF08880}"/>
+              </a:ext>
+            </a:extLst>
+          </p:cNvPr>
+          <p:cNvCxnSpPr>
+            <a:cxnSpLocks/>
+          </p:cNvCxnSpPr>
+          <p:nvPr/>
+        </p:nvCxnSpPr>
+        <p:spPr>
+          <a:xfrm>
+            <a:off x="1486983" y="3604571"/>
+            <a:ext cx="0" cy="496115"/>
+          </a:xfrm>
+          <a:prstGeom prst="straightConnector1">
+            <a:avLst/>
+          </a:prstGeom>
+          <a:ln>
+            <a:tailEnd type="triangle"/>
+          </a:ln>
+        </p:spPr>
+        <p:style>
+          <a:lnRef idx="1">
+            <a:schemeClr val="dk1"/>
+          </a:lnRef>
+          <a:fillRef idx="0">
+            <a:schemeClr val="dk1"/>
+          </a:fillRef>
+          <a:effectRef idx="0">
+            <a:schemeClr val="dk1"/>
+          </a:effectRef>
+          <a:fontRef idx="minor">
+            <a:schemeClr val="tx1"/>
+          </a:fontRef>
+        </p:style>
+      </p:cxnSp>
+      <p:sp>
+        <p:nvSpPr>
+          <p:cNvPr id="49" name="Diamond 48">
+            <a:extLst>
+              <a:ext uri="{FF2B5EF4-FFF2-40B4-BE49-F238E27FC236}">
+                <a16:creationId xmlns:a16="http://schemas.microsoft.com/office/drawing/2014/main" id="{BDA7181A-4C7A-454A-A036-C80011939F15}"/>
+              </a:ext>
+            </a:extLst>
+          </p:cNvPr>
+          <p:cNvSpPr/>
+          <p:nvPr/>
+        </p:nvSpPr>
+        <p:spPr>
+          <a:xfrm>
+            <a:off x="3426781" y="4313054"/>
+            <a:ext cx="480766" cy="480766"/>
+          </a:xfrm>
+          <a:prstGeom prst="diamond">
+            <a:avLst/>
+          </a:prstGeom>
+        </p:spPr>
+        <p:style>
+          <a:lnRef idx="1">
+            <a:schemeClr val="accent4"/>
+          </a:lnRef>
+          <a:fillRef idx="2">
+            <a:schemeClr val="accent4"/>
+          </a:fillRef>
+          <a:effectRef idx="1">
+            <a:schemeClr val="accent4"/>
+          </a:effectRef>
+          <a:fontRef idx="minor">
+            <a:schemeClr val="dk1"/>
+          </a:fontRef>
+        </p:style>
+        <p:txBody>
+          <a:bodyPr rot="0" spcFirstLastPara="0" vertOverflow="overflow" horzOverflow="overflow" vert="horz" wrap="square" lIns="91440" tIns="45721" rIns="91440" bIns="45721" numCol="1" spcCol="0" rtlCol="0" fromWordArt="0" anchor="ctr" anchorCtr="0" forceAA="0" compatLnSpc="1">
+            <a:prstTxWarp prst="textNoShape">
+              <a:avLst/>
+            </a:prstTxWarp>
+            <a:noAutofit/>
+          </a:bodyPr>
+          <a:lstStyle/>
+          <a:p>
+            <a:pPr algn="ctr"/>
+            <a:endParaRPr lang="en-SG" sz="1801" dirty="0"/>
+          </a:p>
+        </p:txBody>
+      </p:sp>
+      <p:cxnSp>
+        <p:nvCxnSpPr>
+          <p:cNvPr id="50" name="Elbow Connector 54">
+            <a:extLst>
+              <a:ext uri="{FF2B5EF4-FFF2-40B4-BE49-F238E27FC236}">
+                <a16:creationId xmlns:a16="http://schemas.microsoft.com/office/drawing/2014/main" id="{F82A6818-4497-456C-A9CB-CF1786266325}"/>
+              </a:ext>
+            </a:extLst>
+          </p:cNvPr>
+          <p:cNvCxnSpPr>
+            <a:cxnSpLocks/>
+            <a:stCxn id="49" idx="0"/>
+            <a:endCxn id="60" idx="0"/>
+          </p:cNvCxnSpPr>
+          <p:nvPr/>
+        </p:nvCxnSpPr>
+        <p:spPr>
+          <a:xfrm rot="16200000" flipH="1">
+            <a:off x="6606651" y="1373566"/>
+            <a:ext cx="295685" cy="6174660"/>
+          </a:xfrm>
+          <a:prstGeom prst="bentConnector3">
+            <a:avLst>
+              <a:gd name="adj1" fmla="val -77312"/>
+            </a:avLst>
+          </a:prstGeom>
+          <a:ln>
+            <a:tailEnd type="triangle"/>
+          </a:ln>
+        </p:spPr>
+        <p:style>
+          <a:lnRef idx="1">
+            <a:schemeClr val="dk1"/>
+          </a:lnRef>
+          <a:fillRef idx="0">
+            <a:schemeClr val="dk1"/>
+          </a:fillRef>
+          <a:effectRef idx="0">
+            <a:schemeClr val="dk1"/>
+          </a:effectRef>
+          <a:fontRef idx="minor">
+            <a:schemeClr val="tx1"/>
+          </a:fontRef>
+        </p:style>
+      </p:cxnSp>
+      <p:sp>
+        <p:nvSpPr>
+          <p:cNvPr id="52" name="TextBox 51">
+            <a:extLst>
+              <a:ext uri="{FF2B5EF4-FFF2-40B4-BE49-F238E27FC236}">
+                <a16:creationId xmlns:a16="http://schemas.microsoft.com/office/drawing/2014/main" id="{B2551468-0BE4-4AAD-A36D-D853598410F7}"/>
+              </a:ext>
+            </a:extLst>
+          </p:cNvPr>
+          <p:cNvSpPr txBox="1"/>
+          <p:nvPr/>
+        </p:nvSpPr>
+        <p:spPr>
+          <a:xfrm>
+            <a:off x="3177278" y="5285596"/>
+            <a:ext cx="4034269" cy="369460"/>
+          </a:xfrm>
+          <a:prstGeom prst="rect">
+            <a:avLst/>
+          </a:prstGeom>
+          <a:noFill/>
+        </p:spPr>
+        <p:txBody>
+          <a:bodyPr wrap="square" rtlCol="0">
+            <a:spAutoFit/>
+          </a:bodyPr>
+          <a:lstStyle/>
+          <a:p>
+            <a:r>
+              <a:rPr lang="en-SG" sz="1801" dirty="0"/>
+              <a:t>[case’s status matches keyword `close`]</a:t>
+            </a:r>
+          </a:p>
+        </p:txBody>
+      </p:sp>
+      <p:cxnSp>
+        <p:nvCxnSpPr>
+          <p:cNvPr id="53" name="Elbow Connector 23">
+            <a:extLst>
+              <a:ext uri="{FF2B5EF4-FFF2-40B4-BE49-F238E27FC236}">
+                <a16:creationId xmlns:a16="http://schemas.microsoft.com/office/drawing/2014/main" id="{526F8FBA-A7A1-454E-919A-3E8FAB0A43C1}"/>
+              </a:ext>
+            </a:extLst>
+          </p:cNvPr>
+          <p:cNvCxnSpPr>
+            <a:cxnSpLocks/>
+            <a:endCxn id="58" idx="1"/>
+          </p:cNvCxnSpPr>
+          <p:nvPr/>
+        </p:nvCxnSpPr>
+        <p:spPr>
+          <a:xfrm>
+            <a:off x="3667163" y="4798228"/>
+            <a:ext cx="3544384" cy="488796"/>
+          </a:xfrm>
+          <a:prstGeom prst="bentConnector3">
+            <a:avLst>
+              <a:gd name="adj1" fmla="val 156"/>
+            </a:avLst>
+          </a:prstGeom>
+          <a:ln>
+            <a:tailEnd type="triangle"/>
+          </a:ln>
+        </p:spPr>
+        <p:style>
+          <a:lnRef idx="1">
+            <a:schemeClr val="dk1"/>
+          </a:lnRef>
+          <a:fillRef idx="0">
+            <a:schemeClr val="dk1"/>
+          </a:fillRef>
+          <a:effectRef idx="0">
+            <a:schemeClr val="dk1"/>
+          </a:effectRef>
+          <a:fontRef idx="minor">
+            <a:schemeClr val="tx1"/>
+          </a:fontRef>
+        </p:style>
+      </p:cxnSp>
+      <p:sp>
+        <p:nvSpPr>
+          <p:cNvPr id="54" name="TextBox 53">
+            <a:extLst>
+              <a:ext uri="{FF2B5EF4-FFF2-40B4-BE49-F238E27FC236}">
+                <a16:creationId xmlns:a16="http://schemas.microsoft.com/office/drawing/2014/main" id="{511856C3-A7EE-4A7C-AC21-4E6619931B63}"/>
+              </a:ext>
+            </a:extLst>
+          </p:cNvPr>
+          <p:cNvSpPr txBox="1"/>
+          <p:nvPr/>
+        </p:nvSpPr>
+        <p:spPr>
+          <a:xfrm>
+            <a:off x="3568029" y="3657631"/>
+            <a:ext cx="853127" cy="369460"/>
+          </a:xfrm>
+          <a:prstGeom prst="rect">
+            <a:avLst/>
+          </a:prstGeom>
+          <a:noFill/>
+        </p:spPr>
+        <p:txBody>
+          <a:bodyPr wrap="square" rtlCol="0">
+            <a:spAutoFit/>
+          </a:bodyPr>
+          <a:lstStyle/>
+          <a:p>
+            <a:r>
+              <a:rPr lang="en-SG" sz="1801" dirty="0"/>
+              <a:t>[else]</a:t>
+            </a:r>
+          </a:p>
+        </p:txBody>
+      </p:sp>
+      <p:sp>
+        <p:nvSpPr>
+          <p:cNvPr id="58" name="Rectangle: Rounded Corners 57">
+            <a:extLst>
+              <a:ext uri="{FF2B5EF4-FFF2-40B4-BE49-F238E27FC236}">
+                <a16:creationId xmlns:a16="http://schemas.microsoft.com/office/drawing/2014/main" id="{E6B03BB8-9E60-4760-A49D-9BE743837FBE}"/>
+              </a:ext>
+            </a:extLst>
+          </p:cNvPr>
+          <p:cNvSpPr/>
+          <p:nvPr/>
+        </p:nvSpPr>
+        <p:spPr>
+          <a:xfrm>
+            <a:off x="7211547" y="5001060"/>
+            <a:ext cx="2293908" cy="571927"/>
+          </a:xfrm>
+          <a:prstGeom prst="roundRect">
+            <a:avLst/>
+          </a:prstGeom>
+        </p:spPr>
+        <p:style>
+          <a:lnRef idx="1">
+            <a:schemeClr val="accent4"/>
+          </a:lnRef>
+          <a:fillRef idx="2">
+            <a:schemeClr val="accent4"/>
+          </a:fillRef>
+          <a:effectRef idx="1">
+            <a:schemeClr val="accent4"/>
+          </a:effectRef>
+          <a:fontRef idx="minor">
+            <a:schemeClr val="dk1"/>
+          </a:fontRef>
+        </p:style>
+        <p:txBody>
+          <a:bodyPr rot="0" spcFirstLastPara="0" vertOverflow="overflow" horzOverflow="overflow" vert="horz" wrap="square" lIns="91440" tIns="45721" rIns="91440" bIns="45721" numCol="1" spcCol="0" rtlCol="0" fromWordArt="0" anchor="ctr" anchorCtr="0" forceAA="0" compatLnSpc="1">
+            <a:prstTxWarp prst="textNoShape">
+              <a:avLst/>
+            </a:prstTxWarp>
+            <a:noAutofit/>
+          </a:bodyPr>
+          <a:lstStyle/>
+          <a:p>
+            <a:pPr algn="ctr"/>
+            <a:r>
+              <a:rPr lang="en-SG" sz="1801" dirty="0"/>
+              <a:t>Adds case to </a:t>
+            </a:r>
+            <a:r>
+              <a:rPr lang="en-SG" sz="1801" dirty="0" err="1"/>
+              <a:t>FilteredCrimeCaseList</a:t>
+            </a:r>
+            <a:endParaRPr lang="en-SG" sz="1801" dirty="0"/>
+          </a:p>
+        </p:txBody>
+      </p:sp>
+      <p:cxnSp>
+        <p:nvCxnSpPr>
+          <p:cNvPr id="59" name="Elbow Connector 56">
+            <a:extLst>
+              <a:ext uri="{FF2B5EF4-FFF2-40B4-BE49-F238E27FC236}">
+                <a16:creationId xmlns:a16="http://schemas.microsoft.com/office/drawing/2014/main" id="{78A6806E-D16C-4EDE-B70E-26179BD83D6F}"/>
+              </a:ext>
+            </a:extLst>
+          </p:cNvPr>
+          <p:cNvCxnSpPr/>
+          <p:nvPr/>
+        </p:nvCxnSpPr>
+        <p:spPr>
+          <a:xfrm flipV="1">
+            <a:off x="9513683" y="5089505"/>
+            <a:ext cx="328141" cy="197518"/>
+          </a:xfrm>
+          <a:prstGeom prst="bentConnector2">
+            <a:avLst/>
+          </a:prstGeom>
+          <a:ln>
+            <a:tailEnd type="triangle"/>
+          </a:ln>
+        </p:spPr>
+        <p:style>
+          <a:lnRef idx="1">
+            <a:schemeClr val="dk1"/>
+          </a:lnRef>
+          <a:fillRef idx="0">
+            <a:schemeClr val="dk1"/>
+          </a:fillRef>
+          <a:effectRef idx="0">
+            <a:schemeClr val="dk1"/>
+          </a:effectRef>
+          <a:fontRef idx="minor">
+            <a:schemeClr val="tx1"/>
+          </a:fontRef>
+        </p:style>
+      </p:cxnSp>
+      <p:sp>
+        <p:nvSpPr>
+          <p:cNvPr id="60" name="Diamond 59">
+            <a:extLst>
+              <a:ext uri="{FF2B5EF4-FFF2-40B4-BE49-F238E27FC236}">
+                <a16:creationId xmlns:a16="http://schemas.microsoft.com/office/drawing/2014/main" id="{D9827AA4-34B3-4EE7-AF0E-6EA51848187B}"/>
+              </a:ext>
+            </a:extLst>
+          </p:cNvPr>
+          <p:cNvSpPr/>
+          <p:nvPr/>
+        </p:nvSpPr>
+        <p:spPr>
+          <a:xfrm>
+            <a:off x="9601441" y="4608739"/>
+            <a:ext cx="480766" cy="480766"/>
+          </a:xfrm>
+          <a:prstGeom prst="diamond">
+            <a:avLst/>
+          </a:prstGeom>
+        </p:spPr>
+        <p:style>
+          <a:lnRef idx="1">
+            <a:schemeClr val="accent4"/>
+          </a:lnRef>
+          <a:fillRef idx="2">
+            <a:schemeClr val="accent4"/>
+          </a:fillRef>
+          <a:effectRef idx="1">
+            <a:schemeClr val="accent4"/>
+          </a:effectRef>
+          <a:fontRef idx="minor">
+            <a:schemeClr val="dk1"/>
+          </a:fontRef>
+        </p:style>
+        <p:txBody>
+          <a:bodyPr rot="0" spcFirstLastPara="0" vertOverflow="overflow" horzOverflow="overflow" vert="horz" wrap="square" lIns="91440" tIns="45721" rIns="91440" bIns="45721" numCol="1" spcCol="0" rtlCol="0" fromWordArt="0" anchor="ctr" anchorCtr="0" forceAA="0" compatLnSpc="1">
+            <a:prstTxWarp prst="textNoShape">
+              <a:avLst/>
+            </a:prstTxWarp>
+            <a:noAutofit/>
+          </a:bodyPr>
+          <a:lstStyle/>
+          <a:p>
+            <a:pPr algn="ctr"/>
+            <a:endParaRPr lang="en-SG" sz="1801"/>
+          </a:p>
+        </p:txBody>
+      </p:sp>
+      <p:cxnSp>
+        <p:nvCxnSpPr>
+          <p:cNvPr id="67" name="Straight Arrow Connector 66">
+            <a:extLst>
+              <a:ext uri="{FF2B5EF4-FFF2-40B4-BE49-F238E27FC236}">
+                <a16:creationId xmlns:a16="http://schemas.microsoft.com/office/drawing/2014/main" id="{65B2AE92-5707-4985-8480-2A15D1848F2A}"/>
+              </a:ext>
+            </a:extLst>
+          </p:cNvPr>
+          <p:cNvCxnSpPr>
+            <a:cxnSpLocks/>
+          </p:cNvCxnSpPr>
+          <p:nvPr/>
+        </p:nvCxnSpPr>
+        <p:spPr>
+          <a:xfrm>
+            <a:off x="10095014" y="4849122"/>
+            <a:ext cx="704414" cy="0"/>
+          </a:xfrm>
+          <a:prstGeom prst="straightConnector1">
+            <a:avLst/>
+          </a:prstGeom>
+          <a:ln>
+            <a:tailEnd type="triangle"/>
+          </a:ln>
+        </p:spPr>
+        <p:style>
+          <a:lnRef idx="1">
+            <a:schemeClr val="dk1"/>
+          </a:lnRef>
+          <a:fillRef idx="0">
+            <a:schemeClr val="dk1"/>
+          </a:fillRef>
+          <a:effectRef idx="0">
+            <a:schemeClr val="dk1"/>
+          </a:effectRef>
+          <a:fontRef idx="minor">
+            <a:schemeClr val="tx1"/>
+          </a:fontRef>
+        </p:style>
+      </p:cxnSp>
+      <p:sp>
+        <p:nvSpPr>
+          <p:cNvPr id="70" name="Rectangle: Rounded Corners 69">
+            <a:extLst>
+              <a:ext uri="{FF2B5EF4-FFF2-40B4-BE49-F238E27FC236}">
+                <a16:creationId xmlns:a16="http://schemas.microsoft.com/office/drawing/2014/main" id="{59E95E3B-75D3-4443-9A8C-F6EE263211E5}"/>
+              </a:ext>
+            </a:extLst>
+          </p:cNvPr>
+          <p:cNvSpPr/>
+          <p:nvPr/>
+        </p:nvSpPr>
+        <p:spPr>
+          <a:xfrm>
+            <a:off x="10799428" y="4367265"/>
+            <a:ext cx="2413601" cy="905501"/>
+          </a:xfrm>
+          <a:prstGeom prst="roundRect">
+            <a:avLst/>
+          </a:prstGeom>
+          <a:solidFill>
+            <a:schemeClr val="bg2">
+              <a:lumMod val="75000"/>
+            </a:schemeClr>
+          </a:solidFill>
+          <a:ln>
+            <a:noFill/>
+          </a:ln>
+        </p:spPr>
+        <p:style>
+          <a:lnRef idx="1">
+            <a:schemeClr val="accent4"/>
+          </a:lnRef>
+          <a:fillRef idx="2">
+            <a:schemeClr val="accent4"/>
+          </a:fillRef>
+          <a:effectRef idx="1">
+            <a:schemeClr val="accent4"/>
+          </a:effectRef>
+          <a:fontRef idx="minor">
+            <a:schemeClr val="dk1"/>
+          </a:fontRef>
+        </p:style>
+        <p:txBody>
+          <a:bodyPr rot="0" spcFirstLastPara="0" vertOverflow="overflow" horzOverflow="overflow" vert="horz" wrap="square" lIns="91440" tIns="45721" rIns="91440" bIns="45721" numCol="1" spcCol="0" rtlCol="0" fromWordArt="0" anchor="ctr" anchorCtr="0" forceAA="0" compatLnSpc="1">
+            <a:prstTxWarp prst="textNoShape">
+              <a:avLst/>
+            </a:prstTxWarp>
+            <a:noAutofit/>
+          </a:bodyPr>
+          <a:lstStyle/>
+          <a:p>
+            <a:pPr algn="ctr"/>
+            <a:r>
+              <a:rPr lang="en-SG" sz="1801" dirty="0" err="1"/>
+              <a:t>CrimeCaseListPanel</a:t>
+            </a:r>
+            <a:r>
+              <a:rPr lang="en-SG" sz="1801" dirty="0"/>
+              <a:t> displays the cases in </a:t>
+            </a:r>
+            <a:r>
+              <a:rPr lang="en-SG" sz="1801" dirty="0" err="1"/>
+              <a:t>FIlteredCrimeCaseList</a:t>
+            </a:r>
+            <a:endParaRPr lang="en-SG" sz="1801" dirty="0"/>
+          </a:p>
+        </p:txBody>
+      </p:sp>
+      <p:cxnSp>
+        <p:nvCxnSpPr>
+          <p:cNvPr id="73" name="Straight Arrow Connector 72">
+            <a:extLst>
+              <a:ext uri="{FF2B5EF4-FFF2-40B4-BE49-F238E27FC236}">
+                <a16:creationId xmlns:a16="http://schemas.microsoft.com/office/drawing/2014/main" id="{47E073EA-2997-4D21-B13A-4959EA27B788}"/>
+              </a:ext>
+            </a:extLst>
+          </p:cNvPr>
+          <p:cNvCxnSpPr>
+            <a:cxnSpLocks/>
+          </p:cNvCxnSpPr>
+          <p:nvPr/>
+        </p:nvCxnSpPr>
+        <p:spPr>
+          <a:xfrm>
+            <a:off x="12032848" y="5272766"/>
+            <a:ext cx="0" cy="401136"/>
+          </a:xfrm>
+          <a:prstGeom prst="straightConnector1">
+            <a:avLst/>
+          </a:prstGeom>
+          <a:ln>
+            <a:tailEnd type="triangle"/>
+          </a:ln>
+        </p:spPr>
+        <p:style>
+          <a:lnRef idx="1">
+            <a:schemeClr val="dk1"/>
+          </a:lnRef>
+          <a:fillRef idx="0">
+            <a:schemeClr val="dk1"/>
+          </a:fillRef>
+          <a:effectRef idx="0">
+            <a:schemeClr val="dk1"/>
+          </a:effectRef>
+          <a:fontRef idx="minor">
+            <a:schemeClr val="tx1"/>
+          </a:fontRef>
+        </p:style>
+      </p:cxnSp>
+      <p:grpSp>
+        <p:nvGrpSpPr>
+          <p:cNvPr id="76" name="Group 75">
+            <a:extLst>
+              <a:ext uri="{FF2B5EF4-FFF2-40B4-BE49-F238E27FC236}">
+                <a16:creationId xmlns:a16="http://schemas.microsoft.com/office/drawing/2014/main" id="{237BE0B4-C869-41AC-AC6C-49941A15AB57}"/>
+              </a:ext>
+            </a:extLst>
+          </p:cNvPr>
+          <p:cNvGrpSpPr/>
+          <p:nvPr/>
+        </p:nvGrpSpPr>
+        <p:grpSpPr>
+          <a:xfrm>
+            <a:off x="11915013" y="5655056"/>
+            <a:ext cx="235669" cy="235669"/>
+            <a:chOff x="8040730" y="5082186"/>
+            <a:chExt cx="235669" cy="235669"/>
+          </a:xfrm>
+        </p:grpSpPr>
+        <p:sp>
+          <p:nvSpPr>
+            <p:cNvPr id="77" name="Oval 76">
+              <a:extLst>
+                <a:ext uri="{FF2B5EF4-FFF2-40B4-BE49-F238E27FC236}">
+                  <a16:creationId xmlns:a16="http://schemas.microsoft.com/office/drawing/2014/main" id="{63CCFCBC-89A7-41D6-836E-CE9359FCF60B}"/>
+                </a:ext>
+              </a:extLst>
+            </p:cNvPr>
+            <p:cNvSpPr/>
+            <p:nvPr/>
+          </p:nvSpPr>
+          <p:spPr>
+            <a:xfrm>
+              <a:off x="8040730" y="5082186"/>
+              <a:ext cx="235669" cy="235669"/>
+            </a:xfrm>
+            <a:prstGeom prst="ellipse">
+              <a:avLst/>
+            </a:prstGeom>
+            <a:solidFill>
+              <a:schemeClr val="bg1"/>
+            </a:solidFill>
+          </p:spPr>
+          <p:style>
+            <a:lnRef idx="1">
+              <a:schemeClr val="accent1"/>
+            </a:lnRef>
+            <a:fillRef idx="2">
+              <a:schemeClr val="accent1"/>
+            </a:fillRef>
+            <a:effectRef idx="1">
+              <a:schemeClr val="accent1"/>
+            </a:effectRef>
+            <a:fontRef idx="minor">
+              <a:schemeClr val="dk1"/>
+            </a:fontRef>
+          </p:style>
+          <p:txBody>
+            <a:bodyPr rot="0" spcFirstLastPara="0" vertOverflow="overflow" horzOverflow="overflow" vert="horz" wrap="square" lIns="91440" tIns="45721" rIns="91440" bIns="45721" numCol="1" spcCol="0" rtlCol="0" fromWordArt="0" anchor="ctr" anchorCtr="0" forceAA="0" compatLnSpc="1">
+              <a:prstTxWarp prst="textNoShape">
+                <a:avLst/>
+              </a:prstTxWarp>
+              <a:noAutofit/>
+            </a:bodyPr>
+            <a:lstStyle/>
+            <a:p>
+              <a:pPr algn="ctr"/>
+              <a:endParaRPr lang="en-SG" sz="1801"/>
+            </a:p>
+          </p:txBody>
+        </p:sp>
+        <p:sp>
+          <p:nvSpPr>
+            <p:cNvPr id="78" name="Oval 77">
+              <a:extLst>
+                <a:ext uri="{FF2B5EF4-FFF2-40B4-BE49-F238E27FC236}">
+                  <a16:creationId xmlns:a16="http://schemas.microsoft.com/office/drawing/2014/main" id="{43C26602-227A-47D8-BFAC-1B072A0CB3B0}"/>
+                </a:ext>
+              </a:extLst>
+            </p:cNvPr>
+            <p:cNvSpPr/>
+            <p:nvPr/>
+          </p:nvSpPr>
+          <p:spPr>
+            <a:xfrm>
+              <a:off x="8088348" y="5134633"/>
+              <a:ext cx="136201" cy="136201"/>
+            </a:xfrm>
+            <a:prstGeom prst="ellipse">
+              <a:avLst/>
+            </a:prstGeom>
+          </p:spPr>
+          <p:style>
+            <a:lnRef idx="1">
+              <a:schemeClr val="accent1"/>
+            </a:lnRef>
+            <a:fillRef idx="2">
+              <a:schemeClr val="accent1"/>
+            </a:fillRef>
+            <a:effectRef idx="1">
+              <a:schemeClr val="accent1"/>
+            </a:effectRef>
+            <a:fontRef idx="minor">
+              <a:schemeClr val="dk1"/>
+            </a:fontRef>
+          </p:style>
+          <p:txBody>
+            <a:bodyPr rot="0" spcFirstLastPara="0" vertOverflow="overflow" horzOverflow="overflow" vert="horz" wrap="square" lIns="91440" tIns="45721" rIns="91440" bIns="45721" numCol="1" spcCol="0" rtlCol="0" fromWordArt="0" anchor="ctr" anchorCtr="0" forceAA="0" compatLnSpc="1">
+              <a:prstTxWarp prst="textNoShape">
+                <a:avLst/>
+              </a:prstTxWarp>
+              <a:noAutofit/>
+            </a:bodyPr>
+            <a:lstStyle/>
+            <a:p>
+              <a:pPr algn="ctr"/>
+              <a:endParaRPr lang="en-SG" sz="1801"/>
+            </a:p>
+          </p:txBody>
+        </p:sp>
+      </p:grpSp>
+    </p:spTree>
+    <p:extLst>
+      <p:ext uri="{BB962C8B-B14F-4D97-AF65-F5344CB8AC3E}">
+        <p14:creationId xmlns:p14="http://schemas.microsoft.com/office/powerpoint/2010/main" val="1753244389"/>
+      </p:ext>
+    </p:extLst>
+  </p:cSld>
+  <p:clrMapOvr>
+    <a:masterClrMapping/>
+  </p:clrMapOvr>
+</p:sld>
+</file>
+
+<file path=ppt/slides/slide3.xml><?xml version="1.0" encoding="utf-8"?>
+<p:sld xmlns:a="http://schemas.openxmlformats.org/drawingml/2006/main" xmlns:r="http://schemas.openxmlformats.org/officeDocument/2006/relationships" xmlns:p="http://schemas.openxmlformats.org/presentationml/2006/main">
+  <p:cSld>
+    <p:spTree>
+      <p:nvGrpSpPr>
+        <p:cNvPr id="1" name=""/>
+        <p:cNvGrpSpPr/>
+        <p:nvPr/>
+      </p:nvGrpSpPr>
+      <p:grpSpPr>
+        <a:xfrm>
+          <a:off x="0" y="0"/>
+          <a:ext cx="0" cy="0"/>
+          <a:chOff x="0" y="0"/>
+          <a:chExt cx="0" cy="0"/>
+        </a:xfrm>
+      </p:grpSpPr>
+      <p:sp>
+        <p:nvSpPr>
+          <p:cNvPr id="2" name="Oval 1">
+            <a:extLst>
+              <a:ext uri="{FF2B5EF4-FFF2-40B4-BE49-F238E27FC236}">
+                <a16:creationId xmlns:a16="http://schemas.microsoft.com/office/drawing/2014/main" id="{80F79B99-F480-4291-B27F-F610D6DC5671}"/>
+              </a:ext>
+            </a:extLst>
+          </p:cNvPr>
+          <p:cNvSpPr/>
+          <p:nvPr/>
+        </p:nvSpPr>
+        <p:spPr>
+          <a:xfrm>
+            <a:off x="1369149" y="725323"/>
+            <a:ext cx="235669" cy="259236"/>
+          </a:xfrm>
+          <a:prstGeom prst="ellipse">
+            <a:avLst/>
+          </a:prstGeom>
+        </p:spPr>
+        <p:style>
+          <a:lnRef idx="1">
+            <a:schemeClr val="accent1"/>
+          </a:lnRef>
+          <a:fillRef idx="2">
+            <a:schemeClr val="accent1"/>
+          </a:fillRef>
+          <a:effectRef idx="1">
+            <a:schemeClr val="accent1"/>
+          </a:effectRef>
+          <a:fontRef idx="minor">
+            <a:schemeClr val="dk1"/>
+          </a:fontRef>
+        </p:style>
+        <p:txBody>
+          <a:bodyPr rot="0" spcFirstLastPara="0" vertOverflow="overflow" horzOverflow="overflow" vert="horz" wrap="square" lIns="91440" tIns="45721" rIns="91440" bIns="45721" numCol="1" spcCol="0" rtlCol="0" fromWordArt="0" anchor="ctr" anchorCtr="0" forceAA="0" compatLnSpc="1">
+            <a:prstTxWarp prst="textNoShape">
+              <a:avLst/>
+            </a:prstTxWarp>
+            <a:noAutofit/>
+          </a:bodyPr>
+          <a:lstStyle/>
+          <a:p>
+            <a:pPr algn="ctr"/>
+            <a:endParaRPr lang="en-SG" sz="1801"/>
+          </a:p>
+        </p:txBody>
+      </p:sp>
+      <p:cxnSp>
+        <p:nvCxnSpPr>
+          <p:cNvPr id="3" name="Straight Arrow Connector 2">
+            <a:extLst>
+              <a:ext uri="{FF2B5EF4-FFF2-40B4-BE49-F238E27FC236}">
+                <a16:creationId xmlns:a16="http://schemas.microsoft.com/office/drawing/2014/main" id="{8F95F97F-0520-4BE0-8E67-9196F3E40B76}"/>
+              </a:ext>
+            </a:extLst>
+          </p:cNvPr>
+          <p:cNvCxnSpPr>
+            <a:cxnSpLocks/>
+          </p:cNvCxnSpPr>
+          <p:nvPr/>
+        </p:nvCxnSpPr>
+        <p:spPr>
+          <a:xfrm>
+            <a:off x="1488970" y="973592"/>
+            <a:ext cx="0" cy="381931"/>
+          </a:xfrm>
+          <a:prstGeom prst="straightConnector1">
+            <a:avLst/>
+          </a:prstGeom>
+          <a:ln>
+            <a:tailEnd type="triangle"/>
+          </a:ln>
+        </p:spPr>
+        <p:style>
+          <a:lnRef idx="1">
+            <a:schemeClr val="dk1"/>
+          </a:lnRef>
+          <a:fillRef idx="0">
+            <a:schemeClr val="dk1"/>
+          </a:fillRef>
+          <a:effectRef idx="0">
+            <a:schemeClr val="dk1"/>
+          </a:effectRef>
+          <a:fontRef idx="minor">
+            <a:schemeClr val="tx1"/>
+          </a:fontRef>
+        </p:style>
+      </p:cxnSp>
+      <p:sp>
+        <p:nvSpPr>
+          <p:cNvPr id="4" name="Rectangle: Rounded Corners 3">
+            <a:extLst>
+              <a:ext uri="{FF2B5EF4-FFF2-40B4-BE49-F238E27FC236}">
+                <a16:creationId xmlns:a16="http://schemas.microsoft.com/office/drawing/2014/main" id="{DD9456A0-C20B-4B82-9FA5-4BABDF55AEA5}"/>
+              </a:ext>
+            </a:extLst>
+          </p:cNvPr>
+          <p:cNvSpPr/>
+          <p:nvPr/>
+        </p:nvSpPr>
+        <p:spPr>
+          <a:xfrm>
+            <a:off x="152660" y="1352713"/>
+            <a:ext cx="2921914" cy="829281"/>
+          </a:xfrm>
+          <a:prstGeom prst="roundRect">
+            <a:avLst/>
+          </a:prstGeom>
+        </p:spPr>
+        <p:style>
+          <a:lnRef idx="1">
+            <a:schemeClr val="accent5"/>
+          </a:lnRef>
+          <a:fillRef idx="2">
+            <a:schemeClr val="accent5"/>
+          </a:fillRef>
+          <a:effectRef idx="1">
+            <a:schemeClr val="accent5"/>
+          </a:effectRef>
+          <a:fontRef idx="minor">
+            <a:schemeClr val="dk1"/>
+          </a:fontRef>
+        </p:style>
+        <p:txBody>
+          <a:bodyPr rot="0" spcFirstLastPara="0" vertOverflow="overflow" horzOverflow="overflow" vert="horz" wrap="square" lIns="91440" tIns="45721" rIns="91440" bIns="45721" numCol="1" spcCol="0" rtlCol="0" fromWordArt="0" anchor="ctr" anchorCtr="0" forceAA="0" compatLnSpc="1">
+            <a:prstTxWarp prst="textNoShape">
+              <a:avLst/>
+            </a:prstTxWarp>
+            <a:noAutofit/>
+          </a:bodyPr>
+          <a:lstStyle/>
+          <a:p>
+            <a:pPr algn="ctr"/>
+            <a:r>
+              <a:rPr lang="en-SG" sz="1801" dirty="0"/>
+              <a:t>User executes </a:t>
+            </a:r>
+          </a:p>
+          <a:p>
+            <a:pPr algn="ctr"/>
+            <a:r>
+              <a:rPr lang="en-SG" sz="1801" dirty="0"/>
+              <a:t>`</a:t>
+            </a:r>
+            <a:r>
+              <a:rPr lang="en-SG" sz="1801" dirty="0" err="1"/>
+              <a:t>findcastags</a:t>
+            </a:r>
+            <a:r>
+              <a:rPr lang="en-SG" sz="1801" dirty="0"/>
+              <a:t> murder`</a:t>
+            </a:r>
+          </a:p>
+          <a:p>
+            <a:pPr algn="ctr"/>
+            <a:r>
+              <a:rPr lang="en-SG" sz="1801" dirty="0"/>
+              <a:t>command</a:t>
+            </a:r>
+          </a:p>
+        </p:txBody>
+      </p:sp>
+      <p:cxnSp>
+        <p:nvCxnSpPr>
+          <p:cNvPr id="5" name="Straight Arrow Connector 4">
+            <a:extLst>
+              <a:ext uri="{FF2B5EF4-FFF2-40B4-BE49-F238E27FC236}">
+                <a16:creationId xmlns:a16="http://schemas.microsoft.com/office/drawing/2014/main" id="{AC764CCD-9E68-4988-BD20-856AD432EE60}"/>
+              </a:ext>
+            </a:extLst>
+          </p:cNvPr>
+          <p:cNvCxnSpPr>
+            <a:cxnSpLocks/>
+          </p:cNvCxnSpPr>
+          <p:nvPr/>
+        </p:nvCxnSpPr>
+        <p:spPr>
+          <a:xfrm>
+            <a:off x="1486983" y="2202955"/>
+            <a:ext cx="0" cy="496115"/>
+          </a:xfrm>
+          <a:prstGeom prst="straightConnector1">
+            <a:avLst/>
+          </a:prstGeom>
+          <a:ln>
+            <a:tailEnd type="triangle"/>
+          </a:ln>
+        </p:spPr>
+        <p:style>
+          <a:lnRef idx="1">
+            <a:schemeClr val="dk1"/>
+          </a:lnRef>
+          <a:fillRef idx="0">
+            <a:schemeClr val="dk1"/>
+          </a:fillRef>
+          <a:effectRef idx="0">
+            <a:schemeClr val="dk1"/>
+          </a:effectRef>
+          <a:fontRef idx="minor">
+            <a:schemeClr val="tx1"/>
+          </a:fontRef>
+        </p:style>
+      </p:cxnSp>
+      <p:sp>
+        <p:nvSpPr>
+          <p:cNvPr id="6" name="Rectangle: Rounded Corners 5">
+            <a:extLst>
+              <a:ext uri="{FF2B5EF4-FFF2-40B4-BE49-F238E27FC236}">
+                <a16:creationId xmlns:a16="http://schemas.microsoft.com/office/drawing/2014/main" id="{68C7DDAC-64FA-404A-86EE-238D1F7C12EF}"/>
+              </a:ext>
+            </a:extLst>
+          </p:cNvPr>
+          <p:cNvSpPr/>
+          <p:nvPr/>
+        </p:nvSpPr>
+        <p:spPr>
+          <a:xfrm>
+            <a:off x="308766" y="2699070"/>
+            <a:ext cx="2413601" cy="905501"/>
+          </a:xfrm>
+          <a:prstGeom prst="roundRect">
+            <a:avLst/>
+          </a:prstGeom>
+          <a:solidFill>
+            <a:schemeClr val="bg2">
+              <a:lumMod val="75000"/>
+            </a:schemeClr>
+          </a:solidFill>
+          <a:ln>
+            <a:noFill/>
+          </a:ln>
+        </p:spPr>
+        <p:style>
+          <a:lnRef idx="1">
+            <a:schemeClr val="accent4"/>
+          </a:lnRef>
+          <a:fillRef idx="2">
+            <a:schemeClr val="accent4"/>
+          </a:fillRef>
+          <a:effectRef idx="1">
+            <a:schemeClr val="accent4"/>
+          </a:effectRef>
+          <a:fontRef idx="minor">
+            <a:schemeClr val="dk1"/>
+          </a:fontRef>
+        </p:style>
+        <p:txBody>
+          <a:bodyPr rot="0" spcFirstLastPara="0" vertOverflow="overflow" horzOverflow="overflow" vert="horz" wrap="square" lIns="91440" tIns="45721" rIns="91440" bIns="45721" numCol="1" spcCol="0" rtlCol="0" fromWordArt="0" anchor="ctr" anchorCtr="0" forceAA="0" compatLnSpc="1">
+            <a:prstTxWarp prst="textNoShape">
+              <a:avLst/>
+            </a:prstTxWarp>
+            <a:noAutofit/>
+          </a:bodyPr>
+          <a:lstStyle/>
+          <a:p>
+            <a:pPr algn="ctr"/>
+            <a:r>
+              <a:rPr lang="en-SG" sz="1801" dirty="0"/>
+              <a:t>Forms a predicate with the keyword ‘murder’</a:t>
+            </a:r>
+          </a:p>
+        </p:txBody>
+      </p:sp>
+      <p:cxnSp>
+        <p:nvCxnSpPr>
+          <p:cNvPr id="7" name="Straight Arrow Connector 6">
+            <a:extLst>
+              <a:ext uri="{FF2B5EF4-FFF2-40B4-BE49-F238E27FC236}">
+                <a16:creationId xmlns:a16="http://schemas.microsoft.com/office/drawing/2014/main" id="{47F80A51-895D-4546-91F1-415F9B93A968}"/>
+              </a:ext>
+            </a:extLst>
+          </p:cNvPr>
+          <p:cNvCxnSpPr>
+            <a:cxnSpLocks/>
+            <a:stCxn id="8" idx="3"/>
+          </p:cNvCxnSpPr>
+          <p:nvPr/>
+        </p:nvCxnSpPr>
+        <p:spPr>
+          <a:xfrm>
+            <a:off x="2722367" y="4553437"/>
+            <a:ext cx="704414" cy="0"/>
+          </a:xfrm>
+          <a:prstGeom prst="straightConnector1">
+            <a:avLst/>
+          </a:prstGeom>
+          <a:ln>
+            <a:tailEnd type="triangle"/>
+          </a:ln>
+        </p:spPr>
+        <p:style>
+          <a:lnRef idx="1">
+            <a:schemeClr val="dk1"/>
+          </a:lnRef>
+          <a:fillRef idx="0">
+            <a:schemeClr val="dk1"/>
+          </a:fillRef>
+          <a:effectRef idx="0">
+            <a:schemeClr val="dk1"/>
+          </a:effectRef>
+          <a:fontRef idx="minor">
+            <a:schemeClr val="tx1"/>
+          </a:fontRef>
+        </p:style>
+      </p:cxnSp>
+      <p:sp>
+        <p:nvSpPr>
+          <p:cNvPr id="8" name="Rectangle: Rounded Corners 7">
+            <a:extLst>
+              <a:ext uri="{FF2B5EF4-FFF2-40B4-BE49-F238E27FC236}">
+                <a16:creationId xmlns:a16="http://schemas.microsoft.com/office/drawing/2014/main" id="{E7E080DA-9E57-4A6C-96FD-E8B79CE0B125}"/>
+              </a:ext>
+            </a:extLst>
+          </p:cNvPr>
+          <p:cNvSpPr/>
+          <p:nvPr/>
+        </p:nvSpPr>
+        <p:spPr>
+          <a:xfrm>
+            <a:off x="308766" y="4100686"/>
+            <a:ext cx="2413601" cy="905501"/>
+          </a:xfrm>
+          <a:prstGeom prst="roundRect">
+            <a:avLst/>
+          </a:prstGeom>
+          <a:solidFill>
+            <a:schemeClr val="bg2">
+              <a:lumMod val="75000"/>
+            </a:schemeClr>
+          </a:solidFill>
+          <a:ln>
+            <a:noFill/>
+          </a:ln>
+        </p:spPr>
+        <p:style>
+          <a:lnRef idx="1">
+            <a:schemeClr val="accent4"/>
+          </a:lnRef>
+          <a:fillRef idx="2">
+            <a:schemeClr val="accent4"/>
+          </a:fillRef>
+          <a:effectRef idx="1">
+            <a:schemeClr val="accent4"/>
+          </a:effectRef>
+          <a:fontRef idx="minor">
+            <a:schemeClr val="dk1"/>
+          </a:fontRef>
+        </p:style>
+        <p:txBody>
+          <a:bodyPr rot="0" spcFirstLastPara="0" vertOverflow="overflow" horzOverflow="overflow" vert="horz" wrap="square" lIns="91440" tIns="45721" rIns="91440" bIns="45721" numCol="1" spcCol="0" rtlCol="0" fromWordArt="0" anchor="ctr" anchorCtr="0" forceAA="0" compatLnSpc="1">
+            <a:prstTxWarp prst="textNoShape">
+              <a:avLst/>
+            </a:prstTxWarp>
+            <a:noAutofit/>
+          </a:bodyPr>
+          <a:lstStyle/>
+          <a:p>
+            <a:pPr algn="ctr"/>
+            <a:r>
+              <a:rPr lang="en-SG" sz="1801" dirty="0"/>
+              <a:t>Gets all the cases present in </a:t>
+            </a:r>
+            <a:r>
+              <a:rPr lang="en-SG" sz="1801" dirty="0" err="1"/>
+              <a:t>investigapptor</a:t>
+            </a:r>
+            <a:endParaRPr lang="en-SG" sz="1801" dirty="0"/>
+          </a:p>
+        </p:txBody>
+      </p:sp>
+      <p:cxnSp>
+        <p:nvCxnSpPr>
+          <p:cNvPr id="9" name="Straight Arrow Connector 8">
+            <a:extLst>
+              <a:ext uri="{FF2B5EF4-FFF2-40B4-BE49-F238E27FC236}">
+                <a16:creationId xmlns:a16="http://schemas.microsoft.com/office/drawing/2014/main" id="{7C29B22E-729E-4CBC-8978-3A80D0738B7D}"/>
+              </a:ext>
+            </a:extLst>
+          </p:cNvPr>
+          <p:cNvCxnSpPr>
+            <a:cxnSpLocks/>
+          </p:cNvCxnSpPr>
+          <p:nvPr/>
+        </p:nvCxnSpPr>
+        <p:spPr>
+          <a:xfrm>
+            <a:off x="1486983" y="3604571"/>
+            <a:ext cx="0" cy="496115"/>
+          </a:xfrm>
+          <a:prstGeom prst="straightConnector1">
+            <a:avLst/>
+          </a:prstGeom>
+          <a:ln>
+            <a:tailEnd type="triangle"/>
+          </a:ln>
+        </p:spPr>
+        <p:style>
+          <a:lnRef idx="1">
+            <a:schemeClr val="dk1"/>
+          </a:lnRef>
+          <a:fillRef idx="0">
+            <a:schemeClr val="dk1"/>
+          </a:fillRef>
+          <a:effectRef idx="0">
+            <a:schemeClr val="dk1"/>
+          </a:effectRef>
+          <a:fontRef idx="minor">
+            <a:schemeClr val="tx1"/>
+          </a:fontRef>
+        </p:style>
+      </p:cxnSp>
+      <p:sp>
+        <p:nvSpPr>
+          <p:cNvPr id="10" name="Diamond 9">
+            <a:extLst>
+              <a:ext uri="{FF2B5EF4-FFF2-40B4-BE49-F238E27FC236}">
+                <a16:creationId xmlns:a16="http://schemas.microsoft.com/office/drawing/2014/main" id="{5257F50A-3E56-4247-9749-3E15D9557264}"/>
+              </a:ext>
+            </a:extLst>
+          </p:cNvPr>
+          <p:cNvSpPr/>
+          <p:nvPr/>
+        </p:nvSpPr>
+        <p:spPr>
+          <a:xfrm>
+            <a:off x="3426781" y="4313054"/>
+            <a:ext cx="480766" cy="480766"/>
+          </a:xfrm>
+          <a:prstGeom prst="diamond">
+            <a:avLst/>
+          </a:prstGeom>
+        </p:spPr>
+        <p:style>
+          <a:lnRef idx="1">
+            <a:schemeClr val="accent4"/>
+          </a:lnRef>
+          <a:fillRef idx="2">
+            <a:schemeClr val="accent4"/>
+          </a:fillRef>
+          <a:effectRef idx="1">
+            <a:schemeClr val="accent4"/>
+          </a:effectRef>
+          <a:fontRef idx="minor">
+            <a:schemeClr val="dk1"/>
+          </a:fontRef>
+        </p:style>
+        <p:txBody>
+          <a:bodyPr rot="0" spcFirstLastPara="0" vertOverflow="overflow" horzOverflow="overflow" vert="horz" wrap="square" lIns="91440" tIns="45721" rIns="91440" bIns="45721" numCol="1" spcCol="0" rtlCol="0" fromWordArt="0" anchor="ctr" anchorCtr="0" forceAA="0" compatLnSpc="1">
+            <a:prstTxWarp prst="textNoShape">
+              <a:avLst/>
+            </a:prstTxWarp>
+            <a:noAutofit/>
+          </a:bodyPr>
+          <a:lstStyle/>
+          <a:p>
+            <a:pPr algn="ctr"/>
+            <a:endParaRPr lang="en-SG" sz="1801" dirty="0"/>
+          </a:p>
+        </p:txBody>
+      </p:sp>
+      <p:cxnSp>
+        <p:nvCxnSpPr>
+          <p:cNvPr id="11" name="Elbow Connector 54">
+            <a:extLst>
+              <a:ext uri="{FF2B5EF4-FFF2-40B4-BE49-F238E27FC236}">
+                <a16:creationId xmlns:a16="http://schemas.microsoft.com/office/drawing/2014/main" id="{9C5BE724-A425-4374-BB34-96E71501FE7D}"/>
+              </a:ext>
+            </a:extLst>
+          </p:cNvPr>
+          <p:cNvCxnSpPr>
+            <a:cxnSpLocks/>
+            <a:stCxn id="10" idx="0"/>
+            <a:endCxn id="17" idx="0"/>
+          </p:cNvCxnSpPr>
+          <p:nvPr/>
+        </p:nvCxnSpPr>
+        <p:spPr>
+          <a:xfrm rot="16200000" flipH="1">
+            <a:off x="6606651" y="1373566"/>
+            <a:ext cx="295685" cy="6174660"/>
+          </a:xfrm>
+          <a:prstGeom prst="bentConnector3">
+            <a:avLst>
+              <a:gd name="adj1" fmla="val -77312"/>
+            </a:avLst>
+          </a:prstGeom>
+          <a:ln>
+            <a:tailEnd type="triangle"/>
+          </a:ln>
+        </p:spPr>
+        <p:style>
+          <a:lnRef idx="1">
+            <a:schemeClr val="dk1"/>
+          </a:lnRef>
+          <a:fillRef idx="0">
+            <a:schemeClr val="dk1"/>
+          </a:fillRef>
+          <a:effectRef idx="0">
+            <a:schemeClr val="dk1"/>
+          </a:effectRef>
+          <a:fontRef idx="minor">
+            <a:schemeClr val="tx1"/>
+          </a:fontRef>
+        </p:style>
+      </p:cxnSp>
+      <p:sp>
+        <p:nvSpPr>
+          <p:cNvPr id="12" name="TextBox 11">
+            <a:extLst>
+              <a:ext uri="{FF2B5EF4-FFF2-40B4-BE49-F238E27FC236}">
+                <a16:creationId xmlns:a16="http://schemas.microsoft.com/office/drawing/2014/main" id="{E26907C2-D1EC-4D40-9CDC-3B5009DC6CCE}"/>
+              </a:ext>
+            </a:extLst>
+          </p:cNvPr>
+          <p:cNvSpPr txBox="1"/>
+          <p:nvPr/>
+        </p:nvSpPr>
+        <p:spPr>
+          <a:xfrm>
+            <a:off x="3177278" y="5285596"/>
+            <a:ext cx="4034269" cy="369460"/>
+          </a:xfrm>
+          <a:prstGeom prst="rect">
+            <a:avLst/>
+          </a:prstGeom>
+          <a:noFill/>
+        </p:spPr>
+        <p:txBody>
+          <a:bodyPr wrap="square" rtlCol="0">
+            <a:spAutoFit/>
+          </a:bodyPr>
+          <a:lstStyle/>
+          <a:p>
+            <a:r>
+              <a:rPr lang="en-SG" sz="1801" dirty="0"/>
+              <a:t>[case’s tag matches keyword `murder`]</a:t>
+            </a:r>
+          </a:p>
+        </p:txBody>
+      </p:sp>
+      <p:cxnSp>
+        <p:nvCxnSpPr>
+          <p:cNvPr id="13" name="Elbow Connector 23">
+            <a:extLst>
+              <a:ext uri="{FF2B5EF4-FFF2-40B4-BE49-F238E27FC236}">
+                <a16:creationId xmlns:a16="http://schemas.microsoft.com/office/drawing/2014/main" id="{E44510D2-9197-431F-B38B-B1D47EC877DC}"/>
+              </a:ext>
+            </a:extLst>
+          </p:cNvPr>
+          <p:cNvCxnSpPr>
+            <a:cxnSpLocks/>
+            <a:endCxn id="15" idx="1"/>
+          </p:cNvCxnSpPr>
+          <p:nvPr/>
+        </p:nvCxnSpPr>
+        <p:spPr>
+          <a:xfrm>
+            <a:off x="3667163" y="4798228"/>
+            <a:ext cx="3544384" cy="488796"/>
+          </a:xfrm>
+          <a:prstGeom prst="bentConnector3">
+            <a:avLst>
+              <a:gd name="adj1" fmla="val 156"/>
+            </a:avLst>
+          </a:prstGeom>
+          <a:ln>
+            <a:tailEnd type="triangle"/>
+          </a:ln>
+        </p:spPr>
+        <p:style>
+          <a:lnRef idx="1">
+            <a:schemeClr val="dk1"/>
+          </a:lnRef>
+          <a:fillRef idx="0">
+            <a:schemeClr val="dk1"/>
+          </a:fillRef>
+          <a:effectRef idx="0">
+            <a:schemeClr val="dk1"/>
+          </a:effectRef>
+          <a:fontRef idx="minor">
+            <a:schemeClr val="tx1"/>
+          </a:fontRef>
+        </p:style>
+      </p:cxnSp>
+      <p:sp>
+        <p:nvSpPr>
+          <p:cNvPr id="14" name="TextBox 13">
+            <a:extLst>
+              <a:ext uri="{FF2B5EF4-FFF2-40B4-BE49-F238E27FC236}">
+                <a16:creationId xmlns:a16="http://schemas.microsoft.com/office/drawing/2014/main" id="{903F0524-F76D-4EF9-A6DC-8FB512A52FAC}"/>
+              </a:ext>
+            </a:extLst>
+          </p:cNvPr>
+          <p:cNvSpPr txBox="1"/>
+          <p:nvPr/>
+        </p:nvSpPr>
+        <p:spPr>
+          <a:xfrm>
+            <a:off x="3568029" y="3657631"/>
+            <a:ext cx="853127" cy="369460"/>
+          </a:xfrm>
+          <a:prstGeom prst="rect">
+            <a:avLst/>
+          </a:prstGeom>
+          <a:noFill/>
+        </p:spPr>
+        <p:txBody>
+          <a:bodyPr wrap="square" rtlCol="0">
+            <a:spAutoFit/>
+          </a:bodyPr>
+          <a:lstStyle/>
+          <a:p>
+            <a:r>
+              <a:rPr lang="en-SG" sz="1801" dirty="0"/>
+              <a:t>[else]</a:t>
+            </a:r>
+          </a:p>
+        </p:txBody>
+      </p:sp>
+      <p:sp>
+        <p:nvSpPr>
+          <p:cNvPr id="15" name="Rectangle: Rounded Corners 14">
+            <a:extLst>
+              <a:ext uri="{FF2B5EF4-FFF2-40B4-BE49-F238E27FC236}">
+                <a16:creationId xmlns:a16="http://schemas.microsoft.com/office/drawing/2014/main" id="{3707C46B-3E5C-477E-ADFF-BCDD6763D953}"/>
+              </a:ext>
+            </a:extLst>
+          </p:cNvPr>
+          <p:cNvSpPr/>
+          <p:nvPr/>
+        </p:nvSpPr>
+        <p:spPr>
+          <a:xfrm>
+            <a:off x="7211547" y="5001060"/>
+            <a:ext cx="2293908" cy="571927"/>
+          </a:xfrm>
+          <a:prstGeom prst="roundRect">
+            <a:avLst/>
+          </a:prstGeom>
+        </p:spPr>
+        <p:style>
+          <a:lnRef idx="1">
+            <a:schemeClr val="accent4"/>
+          </a:lnRef>
+          <a:fillRef idx="2">
+            <a:schemeClr val="accent4"/>
+          </a:fillRef>
+          <a:effectRef idx="1">
+            <a:schemeClr val="accent4"/>
+          </a:effectRef>
+          <a:fontRef idx="minor">
+            <a:schemeClr val="dk1"/>
+          </a:fontRef>
+        </p:style>
+        <p:txBody>
+          <a:bodyPr rot="0" spcFirstLastPara="0" vertOverflow="overflow" horzOverflow="overflow" vert="horz" wrap="square" lIns="91440" tIns="45721" rIns="91440" bIns="45721" numCol="1" spcCol="0" rtlCol="0" fromWordArt="0" anchor="ctr" anchorCtr="0" forceAA="0" compatLnSpc="1">
+            <a:prstTxWarp prst="textNoShape">
+              <a:avLst/>
+            </a:prstTxWarp>
+            <a:noAutofit/>
+          </a:bodyPr>
+          <a:lstStyle/>
+          <a:p>
+            <a:pPr algn="ctr"/>
+            <a:r>
+              <a:rPr lang="en-SG" sz="1801" dirty="0"/>
+              <a:t>Adds case to </a:t>
+            </a:r>
+            <a:r>
+              <a:rPr lang="en-SG" sz="1801" dirty="0" err="1"/>
+              <a:t>FilteredCrimeCaseList</a:t>
+            </a:r>
+            <a:endParaRPr lang="en-SG" sz="1801" dirty="0"/>
+          </a:p>
+        </p:txBody>
+      </p:sp>
+      <p:cxnSp>
+        <p:nvCxnSpPr>
+          <p:cNvPr id="16" name="Elbow Connector 56">
+            <a:extLst>
+              <a:ext uri="{FF2B5EF4-FFF2-40B4-BE49-F238E27FC236}">
+                <a16:creationId xmlns:a16="http://schemas.microsoft.com/office/drawing/2014/main" id="{DA955328-3CC3-4029-8D72-53916A9EF651}"/>
+              </a:ext>
+            </a:extLst>
+          </p:cNvPr>
+          <p:cNvCxnSpPr/>
+          <p:nvPr/>
+        </p:nvCxnSpPr>
+        <p:spPr>
+          <a:xfrm flipV="1">
+            <a:off x="9513683" y="5089505"/>
+            <a:ext cx="328141" cy="197518"/>
+          </a:xfrm>
+          <a:prstGeom prst="bentConnector2">
+            <a:avLst/>
+          </a:prstGeom>
+          <a:ln>
+            <a:tailEnd type="triangle"/>
+          </a:ln>
+        </p:spPr>
+        <p:style>
+          <a:lnRef idx="1">
+            <a:schemeClr val="dk1"/>
+          </a:lnRef>
+          <a:fillRef idx="0">
+            <a:schemeClr val="dk1"/>
+          </a:fillRef>
+          <a:effectRef idx="0">
+            <a:schemeClr val="dk1"/>
+          </a:effectRef>
+          <a:fontRef idx="minor">
+            <a:schemeClr val="tx1"/>
+          </a:fontRef>
+        </p:style>
+      </p:cxnSp>
+      <p:sp>
+        <p:nvSpPr>
+          <p:cNvPr id="17" name="Diamond 16">
+            <a:extLst>
+              <a:ext uri="{FF2B5EF4-FFF2-40B4-BE49-F238E27FC236}">
+                <a16:creationId xmlns:a16="http://schemas.microsoft.com/office/drawing/2014/main" id="{AA7A8921-30C1-41C4-B6F8-A88825B8B8DD}"/>
+              </a:ext>
+            </a:extLst>
+          </p:cNvPr>
+          <p:cNvSpPr/>
+          <p:nvPr/>
+        </p:nvSpPr>
+        <p:spPr>
+          <a:xfrm>
+            <a:off x="9601441" y="4608739"/>
+            <a:ext cx="480766" cy="480766"/>
+          </a:xfrm>
+          <a:prstGeom prst="diamond">
+            <a:avLst/>
+          </a:prstGeom>
+        </p:spPr>
+        <p:style>
+          <a:lnRef idx="1">
+            <a:schemeClr val="accent4"/>
+          </a:lnRef>
+          <a:fillRef idx="2">
+            <a:schemeClr val="accent4"/>
+          </a:fillRef>
+          <a:effectRef idx="1">
+            <a:schemeClr val="accent4"/>
+          </a:effectRef>
+          <a:fontRef idx="minor">
+            <a:schemeClr val="dk1"/>
+          </a:fontRef>
+        </p:style>
+        <p:txBody>
+          <a:bodyPr rot="0" spcFirstLastPara="0" vertOverflow="overflow" horzOverflow="overflow" vert="horz" wrap="square" lIns="91440" tIns="45721" rIns="91440" bIns="45721" numCol="1" spcCol="0" rtlCol="0" fromWordArt="0" anchor="ctr" anchorCtr="0" forceAA="0" compatLnSpc="1">
+            <a:prstTxWarp prst="textNoShape">
+              <a:avLst/>
+            </a:prstTxWarp>
+            <a:noAutofit/>
+          </a:bodyPr>
+          <a:lstStyle/>
+          <a:p>
+            <a:pPr algn="ctr"/>
+            <a:endParaRPr lang="en-SG" sz="1801"/>
+          </a:p>
+        </p:txBody>
+      </p:sp>
+      <p:cxnSp>
+        <p:nvCxnSpPr>
+          <p:cNvPr id="18" name="Straight Arrow Connector 17">
+            <a:extLst>
+              <a:ext uri="{FF2B5EF4-FFF2-40B4-BE49-F238E27FC236}">
+                <a16:creationId xmlns:a16="http://schemas.microsoft.com/office/drawing/2014/main" id="{256D7FCB-54D8-4509-B464-15F18B7EE87D}"/>
+              </a:ext>
+            </a:extLst>
+          </p:cNvPr>
+          <p:cNvCxnSpPr>
+            <a:cxnSpLocks/>
+          </p:cNvCxnSpPr>
+          <p:nvPr/>
+        </p:nvCxnSpPr>
+        <p:spPr>
+          <a:xfrm>
+            <a:off x="10095014" y="4849122"/>
+            <a:ext cx="704414" cy="0"/>
+          </a:xfrm>
+          <a:prstGeom prst="straightConnector1">
+            <a:avLst/>
+          </a:prstGeom>
+          <a:ln>
+            <a:tailEnd type="triangle"/>
+          </a:ln>
+        </p:spPr>
+        <p:style>
+          <a:lnRef idx="1">
+            <a:schemeClr val="dk1"/>
+          </a:lnRef>
+          <a:fillRef idx="0">
+            <a:schemeClr val="dk1"/>
+          </a:fillRef>
+          <a:effectRef idx="0">
+            <a:schemeClr val="dk1"/>
+          </a:effectRef>
+          <a:fontRef idx="minor">
+            <a:schemeClr val="tx1"/>
+          </a:fontRef>
+        </p:style>
+      </p:cxnSp>
+      <p:sp>
+        <p:nvSpPr>
+          <p:cNvPr id="19" name="Rectangle: Rounded Corners 18">
+            <a:extLst>
+              <a:ext uri="{FF2B5EF4-FFF2-40B4-BE49-F238E27FC236}">
+                <a16:creationId xmlns:a16="http://schemas.microsoft.com/office/drawing/2014/main" id="{FD70B14A-B79C-4A4D-8675-74ADB7F3906D}"/>
+              </a:ext>
+            </a:extLst>
+          </p:cNvPr>
+          <p:cNvSpPr/>
+          <p:nvPr/>
+        </p:nvSpPr>
+        <p:spPr>
+          <a:xfrm>
+            <a:off x="10799428" y="4367265"/>
+            <a:ext cx="2413601" cy="905501"/>
+          </a:xfrm>
+          <a:prstGeom prst="roundRect">
+            <a:avLst/>
+          </a:prstGeom>
+          <a:solidFill>
+            <a:schemeClr val="bg2">
+              <a:lumMod val="75000"/>
+            </a:schemeClr>
+          </a:solidFill>
+          <a:ln>
+            <a:noFill/>
+          </a:ln>
+        </p:spPr>
+        <p:style>
+          <a:lnRef idx="1">
+            <a:schemeClr val="accent4"/>
+          </a:lnRef>
+          <a:fillRef idx="2">
+            <a:schemeClr val="accent4"/>
+          </a:fillRef>
+          <a:effectRef idx="1">
+            <a:schemeClr val="accent4"/>
+          </a:effectRef>
+          <a:fontRef idx="minor">
+            <a:schemeClr val="dk1"/>
+          </a:fontRef>
+        </p:style>
+        <p:txBody>
+          <a:bodyPr rot="0" spcFirstLastPara="0" vertOverflow="overflow" horzOverflow="overflow" vert="horz" wrap="square" lIns="91440" tIns="45721" rIns="91440" bIns="45721" numCol="1" spcCol="0" rtlCol="0" fromWordArt="0" anchor="ctr" anchorCtr="0" forceAA="0" compatLnSpc="1">
+            <a:prstTxWarp prst="textNoShape">
+              <a:avLst/>
+            </a:prstTxWarp>
+            <a:noAutofit/>
+          </a:bodyPr>
+          <a:lstStyle/>
+          <a:p>
+            <a:pPr algn="ctr"/>
+            <a:r>
+              <a:rPr lang="en-SG" sz="1801" dirty="0" err="1"/>
+              <a:t>CrimeCaseListPanel</a:t>
+            </a:r>
+            <a:r>
+              <a:rPr lang="en-SG" sz="1801" dirty="0"/>
+              <a:t> displays the cases in </a:t>
+            </a:r>
+            <a:r>
+              <a:rPr lang="en-SG" sz="1801" dirty="0" err="1"/>
+              <a:t>FIlteredCrimeCaseList</a:t>
+            </a:r>
+            <a:endParaRPr lang="en-SG" sz="1801" dirty="0"/>
+          </a:p>
+        </p:txBody>
+      </p:sp>
+      <p:cxnSp>
+        <p:nvCxnSpPr>
+          <p:cNvPr id="20" name="Straight Arrow Connector 19">
+            <a:extLst>
+              <a:ext uri="{FF2B5EF4-FFF2-40B4-BE49-F238E27FC236}">
+                <a16:creationId xmlns:a16="http://schemas.microsoft.com/office/drawing/2014/main" id="{4E85880F-E5AC-44EE-813E-5766EEA24CD4}"/>
+              </a:ext>
+            </a:extLst>
+          </p:cNvPr>
+          <p:cNvCxnSpPr>
+            <a:cxnSpLocks/>
+          </p:cNvCxnSpPr>
+          <p:nvPr/>
+        </p:nvCxnSpPr>
+        <p:spPr>
+          <a:xfrm>
+            <a:off x="12032848" y="5272766"/>
+            <a:ext cx="0" cy="401136"/>
+          </a:xfrm>
+          <a:prstGeom prst="straightConnector1">
+            <a:avLst/>
+          </a:prstGeom>
+          <a:ln>
+            <a:tailEnd type="triangle"/>
+          </a:ln>
+        </p:spPr>
+        <p:style>
+          <a:lnRef idx="1">
+            <a:schemeClr val="dk1"/>
+          </a:lnRef>
+          <a:fillRef idx="0">
+            <a:schemeClr val="dk1"/>
+          </a:fillRef>
+          <a:effectRef idx="0">
+            <a:schemeClr val="dk1"/>
+          </a:effectRef>
+          <a:fontRef idx="minor">
+            <a:schemeClr val="tx1"/>
+          </a:fontRef>
+        </p:style>
+      </p:cxnSp>
+      <p:grpSp>
+        <p:nvGrpSpPr>
+          <p:cNvPr id="21" name="Group 20">
+            <a:extLst>
+              <a:ext uri="{FF2B5EF4-FFF2-40B4-BE49-F238E27FC236}">
+                <a16:creationId xmlns:a16="http://schemas.microsoft.com/office/drawing/2014/main" id="{2531971A-6F2E-45C8-9AB5-B20F915473EE}"/>
+              </a:ext>
+            </a:extLst>
+          </p:cNvPr>
+          <p:cNvGrpSpPr/>
+          <p:nvPr/>
+        </p:nvGrpSpPr>
+        <p:grpSpPr>
+          <a:xfrm>
+            <a:off x="11915013" y="5655056"/>
+            <a:ext cx="235669" cy="235669"/>
+            <a:chOff x="8040730" y="5082186"/>
+            <a:chExt cx="235669" cy="235669"/>
+          </a:xfrm>
+        </p:grpSpPr>
+        <p:sp>
+          <p:nvSpPr>
+            <p:cNvPr id="22" name="Oval 21">
+              <a:extLst>
+                <a:ext uri="{FF2B5EF4-FFF2-40B4-BE49-F238E27FC236}">
+                  <a16:creationId xmlns:a16="http://schemas.microsoft.com/office/drawing/2014/main" id="{ADB88F63-0A96-4B3C-8A8B-2F447E9040CE}"/>
+                </a:ext>
+              </a:extLst>
+            </p:cNvPr>
+            <p:cNvSpPr/>
+            <p:nvPr/>
+          </p:nvSpPr>
+          <p:spPr>
+            <a:xfrm>
+              <a:off x="8040730" y="5082186"/>
+              <a:ext cx="235669" cy="235669"/>
+            </a:xfrm>
+            <a:prstGeom prst="ellipse">
+              <a:avLst/>
+            </a:prstGeom>
+            <a:solidFill>
+              <a:schemeClr val="bg1"/>
+            </a:solidFill>
+          </p:spPr>
+          <p:style>
+            <a:lnRef idx="1">
+              <a:schemeClr val="accent1"/>
+            </a:lnRef>
+            <a:fillRef idx="2">
+              <a:schemeClr val="accent1"/>
+            </a:fillRef>
+            <a:effectRef idx="1">
+              <a:schemeClr val="accent1"/>
+            </a:effectRef>
+            <a:fontRef idx="minor">
+              <a:schemeClr val="dk1"/>
+            </a:fontRef>
+          </p:style>
+          <p:txBody>
+            <a:bodyPr rot="0" spcFirstLastPara="0" vertOverflow="overflow" horzOverflow="overflow" vert="horz" wrap="square" lIns="91440" tIns="45721" rIns="91440" bIns="45721" numCol="1" spcCol="0" rtlCol="0" fromWordArt="0" anchor="ctr" anchorCtr="0" forceAA="0" compatLnSpc="1">
+              <a:prstTxWarp prst="textNoShape">
+                <a:avLst/>
+              </a:prstTxWarp>
+              <a:noAutofit/>
+            </a:bodyPr>
+            <a:lstStyle/>
+            <a:p>
+              <a:pPr algn="ctr"/>
+              <a:endParaRPr lang="en-SG" sz="1801"/>
+            </a:p>
+          </p:txBody>
+        </p:sp>
+        <p:sp>
+          <p:nvSpPr>
+            <p:cNvPr id="23" name="Oval 22">
+              <a:extLst>
+                <a:ext uri="{FF2B5EF4-FFF2-40B4-BE49-F238E27FC236}">
+                  <a16:creationId xmlns:a16="http://schemas.microsoft.com/office/drawing/2014/main" id="{278A2A9E-5EAD-4104-A423-46D0EF532764}"/>
+                </a:ext>
+              </a:extLst>
+            </p:cNvPr>
+            <p:cNvSpPr/>
+            <p:nvPr/>
+          </p:nvSpPr>
+          <p:spPr>
+            <a:xfrm>
+              <a:off x="8088348" y="5134633"/>
+              <a:ext cx="136201" cy="136201"/>
+            </a:xfrm>
+            <a:prstGeom prst="ellipse">
+              <a:avLst/>
+            </a:prstGeom>
+          </p:spPr>
+          <p:style>
+            <a:lnRef idx="1">
+              <a:schemeClr val="accent1"/>
+            </a:lnRef>
+            <a:fillRef idx="2">
+              <a:schemeClr val="accent1"/>
+            </a:fillRef>
+            <a:effectRef idx="1">
+              <a:schemeClr val="accent1"/>
+            </a:effectRef>
+            <a:fontRef idx="minor">
+              <a:schemeClr val="dk1"/>
+            </a:fontRef>
+          </p:style>
+          <p:txBody>
+            <a:bodyPr rot="0" spcFirstLastPara="0" vertOverflow="overflow" horzOverflow="overflow" vert="horz" wrap="square" lIns="91440" tIns="45721" rIns="91440" bIns="45721" numCol="1" spcCol="0" rtlCol="0" fromWordArt="0" anchor="ctr" anchorCtr="0" forceAA="0" compatLnSpc="1">
+              <a:prstTxWarp prst="textNoShape">
+                <a:avLst/>
+              </a:prstTxWarp>
+              <a:noAutofit/>
+            </a:bodyPr>
+            <a:lstStyle/>
+            <a:p>
+              <a:pPr algn="ctr"/>
+              <a:endParaRPr lang="en-SG" sz="1801"/>
+            </a:p>
+          </p:txBody>
+        </p:sp>
+      </p:grpSp>
+    </p:spTree>
+    <p:extLst>
+      <p:ext uri="{BB962C8B-B14F-4D97-AF65-F5344CB8AC3E}">
+        <p14:creationId xmlns:p14="http://schemas.microsoft.com/office/powerpoint/2010/main" val="129543547"/>
       </p:ext>
     </p:extLst>
   </p:cSld>

--- a/docs/diagrams/UndoRedoActivityDiagram.pptx
+++ b/docs/diagrams/UndoRedoActivityDiagram.pptx
@@ -5652,7 +5652,7 @@
             </a:r>
             <a:r>
               <a:rPr lang="en-SG" sz="1801" dirty="0" err="1"/>
-              <a:t>findcastags</a:t>
+              <a:t>findcasetags</a:t>
             </a:r>
             <a:r>
               <a:rPr lang="en-SG" sz="1801" dirty="0"/>
